--- a/Bytecode Blasters.pptx
+++ b/Bytecode Blasters.pptx
@@ -241,7 +241,7 @@
           <a:p>
             <a:fld id="{70AACD10-F646-6841-9252-5C720B955ADD}" type="datetimeFigureOut">
               <a:rPr lang="en-US" smtClean="0"/>
-              <a:t>15-Oct-20</a:t>
+              <a:t>10/15/2020</a:t>
             </a:fld>
             <a:endParaRPr lang="en-US"/>
           </a:p>
@@ -1092,7 +1092,7 @@
           <a:p>
             <a:fld id="{33CA334D-47BF-4C51-9467-739C33E87C70}" type="datetimeFigureOut">
               <a:rPr lang="en-US" smtClean="0"/>
-              <a:t>15-Oct-20</a:t>
+              <a:t>10/15/2020</a:t>
             </a:fld>
             <a:endParaRPr lang="en-US"/>
           </a:p>
@@ -1251,7 +1251,7 @@
           <a:p>
             <a:fld id="{33CA334D-47BF-4C51-9467-739C33E87C70}" type="datetimeFigureOut">
               <a:rPr lang="en-US" smtClean="0"/>
-              <a:t>15-Oct-20</a:t>
+              <a:t>10/15/2020</a:t>
             </a:fld>
             <a:endParaRPr lang="en-US"/>
           </a:p>
@@ -1408,7 +1408,7 @@
           <a:p>
             <a:fld id="{33CA334D-47BF-4C51-9467-739C33E87C70}" type="datetimeFigureOut">
               <a:rPr lang="en-US" smtClean="0"/>
-              <a:t>15-Oct-20</a:t>
+              <a:t>10/15/2020</a:t>
             </a:fld>
             <a:endParaRPr lang="en-US"/>
           </a:p>
@@ -4419,7 +4419,7 @@
           <a:p>
             <a:fld id="{33CA334D-47BF-4C51-9467-739C33E87C70}" type="datetimeFigureOut">
               <a:rPr lang="en-US" smtClean="0"/>
-              <a:t>15-Oct-20</a:t>
+              <a:t>10/15/2020</a:t>
             </a:fld>
             <a:endParaRPr lang="en-US"/>
           </a:p>
@@ -4735,7 +4735,7 @@
           <a:p>
             <a:fld id="{33CA334D-47BF-4C51-9467-739C33E87C70}" type="datetimeFigureOut">
               <a:rPr lang="en-US" smtClean="0"/>
-              <a:t>15-Oct-20</a:t>
+              <a:t>10/15/2020</a:t>
             </a:fld>
             <a:endParaRPr lang="en-US"/>
           </a:p>
@@ -5103,7 +5103,7 @@
           <a:p>
             <a:fld id="{33CA334D-47BF-4C51-9467-739C33E87C70}" type="datetimeFigureOut">
               <a:rPr lang="en-US" smtClean="0"/>
-              <a:t>15-Oct-20</a:t>
+              <a:t>10/15/2020</a:t>
             </a:fld>
             <a:endParaRPr lang="en-US"/>
           </a:p>
@@ -5334,7 +5334,7 @@
           <a:p>
             <a:fld id="{33CA334D-47BF-4C51-9467-739C33E87C70}" type="datetimeFigureOut">
               <a:rPr lang="en-US" smtClean="0"/>
-              <a:t>15-Oct-20</a:t>
+              <a:t>10/15/2020</a:t>
             </a:fld>
             <a:endParaRPr lang="en-US"/>
           </a:p>
@@ -5583,7 +5583,7 @@
           <a:p>
             <a:fld id="{33CA334D-47BF-4C51-9467-739C33E87C70}" type="datetimeFigureOut">
               <a:rPr lang="en-US" smtClean="0"/>
-              <a:t>15-Oct-20</a:t>
+              <a:t>10/15/2020</a:t>
             </a:fld>
             <a:endParaRPr lang="en-US"/>
           </a:p>
@@ -5913,7 +5913,7 @@
           <a:p>
             <a:fld id="{33CA334D-47BF-4C51-9467-739C33E87C70}" type="datetimeFigureOut">
               <a:rPr lang="en-US" smtClean="0"/>
-              <a:t>15-Oct-20</a:t>
+              <a:t>10/15/2020</a:t>
             </a:fld>
             <a:endParaRPr lang="en-US"/>
           </a:p>
@@ -6042,7 +6042,7 @@
           <a:p>
             <a:fld id="{33CA334D-47BF-4C51-9467-739C33E87C70}" type="datetimeFigureOut">
               <a:rPr lang="en-US" smtClean="0"/>
-              <a:t>15-Oct-20</a:t>
+              <a:t>10/15/2020</a:t>
             </a:fld>
             <a:endParaRPr lang="en-US"/>
           </a:p>
@@ -6967,7 +6967,7 @@
         </p:nvSpPr>
         <p:spPr>
           <a:xfrm>
-            <a:off x="4465357" y="1839433"/>
+            <a:off x="4712224" y="1345535"/>
             <a:ext cx="4025793" cy="1688818"/>
           </a:xfrm>
         </p:spPr>
@@ -6977,8 +6977,9 @@
           </a:bodyPr>
           <a:lstStyle/>
           <a:p>
+            <a:pPr algn="ctr"/>
             <a:r>
-              <a:rPr lang="en-US" dirty="0">
+              <a:rPr lang="en-US" sz="6000" dirty="0">
                 <a:solidFill>
                   <a:schemeClr val="bg1"/>
                 </a:solidFill>
@@ -8230,8 +8231,8 @@
         </p:nvSpPr>
         <p:spPr>
           <a:xfrm>
-            <a:off x="1594884" y="1169582"/>
-            <a:ext cx="5709684" cy="3236792"/>
+            <a:off x="356616" y="1169582"/>
+            <a:ext cx="8430768" cy="3236792"/>
           </a:xfrm>
         </p:spPr>
         <p:txBody>
@@ -8240,20 +8241,44 @@
           </a:bodyPr>
           <a:lstStyle/>
           <a:p>
-            <a:pPr defTabSz="914400"/>
+            <a:pPr defTabSz="914400">
+              <a:lnSpc>
+                <a:spcPct val="100000"/>
+              </a:lnSpc>
+              <a:spcBef>
+                <a:spcPts val="0"/>
+              </a:spcBef>
+              <a:spcAft>
+                <a:spcPts val="600"/>
+              </a:spcAft>
+            </a:pPr>
             <a:r>
               <a:rPr lang="en-US" sz="2700" kern="1200" dirty="0">
                 <a:solidFill>
-                  <a:srgbClr val="FFFFFF"/>
+                  <a:schemeClr val="bg2">
+                    <a:lumMod val="10000"/>
+                  </a:schemeClr>
                 </a:solidFill>
                 <a:latin typeface="+mj-lt"/>
                 <a:ea typeface="+mj-ea"/>
                 <a:cs typeface="+mj-cs"/>
               </a:rPr>
-              <a:t>Our Team </a:t>
+              <a:t>Team Name: </a:t>
             </a:r>
+            <a:br>
+              <a:rPr lang="en-US" sz="2700" kern="1200" dirty="0">
+                <a:solidFill>
+                  <a:schemeClr val="bg2">
+                    <a:lumMod val="10000"/>
+                  </a:schemeClr>
+                </a:solidFill>
+                <a:latin typeface="+mj-lt"/>
+                <a:ea typeface="+mj-ea"/>
+                <a:cs typeface="+mj-cs"/>
+              </a:rPr>
+            </a:br>
             <a:r>
-              <a:rPr lang="en-US" sz="2700" kern="1200" dirty="0" err="1">
+              <a:rPr lang="en-US" sz="2000" kern="1200" dirty="0" err="1">
                 <a:solidFill>
                   <a:srgbClr val="FFFFFF"/>
                 </a:solidFill>
@@ -8264,7 +8289,7 @@
               <a:t>ByteCode</a:t>
             </a:r>
             <a:r>
-              <a:rPr lang="en-US" sz="2700" kern="1200" dirty="0">
+              <a:rPr lang="en-US" sz="2000" kern="1200" dirty="0">
                 <a:solidFill>
                   <a:srgbClr val="FFFFFF"/>
                 </a:solidFill>
@@ -8275,7 +8300,7 @@
               <a:t> Blasters</a:t>
             </a:r>
             <a:br>
-              <a:rPr lang="en-US" sz="6000" kern="1200" dirty="0">
+              <a:rPr lang="en-US" sz="2000" kern="1200" dirty="0">
                 <a:solidFill>
                   <a:srgbClr val="FFFFFF"/>
                 </a:solidFill>
@@ -8285,7 +8310,24 @@
               </a:rPr>
             </a:br>
             <a:r>
-              <a:rPr lang="en-US" sz="3100" kern="1200" dirty="0">
+              <a:rPr lang="en-US" sz="2000" dirty="0">
+                <a:solidFill>
+                  <a:schemeClr val="bg2">
+                    <a:lumMod val="10000"/>
+                  </a:schemeClr>
+                </a:solidFill>
+              </a:rPr>
+              <a:t>Team Members:</a:t>
+            </a:r>
+            <a:br>
+              <a:rPr lang="en-US" sz="2200" dirty="0">
+                <a:solidFill>
+                  <a:srgbClr val="FFFFFF"/>
+                </a:solidFill>
+              </a:rPr>
+            </a:br>
+            <a:r>
+              <a:rPr lang="en-US" sz="1600" kern="1200" dirty="0">
                 <a:solidFill>
                   <a:srgbClr val="FFFFFF"/>
                 </a:solidFill>
@@ -8296,7 +8338,7 @@
               <a:t>Sandeep Kumar</a:t>
             </a:r>
             <a:br>
-              <a:rPr lang="en-US" sz="3100" kern="1200" dirty="0">
+              <a:rPr lang="en-US" sz="1600" kern="1200" dirty="0">
                 <a:solidFill>
                   <a:srgbClr val="FFFFFF"/>
                 </a:solidFill>
@@ -8306,7 +8348,7 @@
               </a:rPr>
             </a:br>
             <a:r>
-              <a:rPr lang="en-US" sz="3100" kern="1200" dirty="0" err="1">
+              <a:rPr lang="en-US" sz="1600" kern="1200" dirty="0" err="1">
                 <a:solidFill>
                   <a:srgbClr val="FFFFFF"/>
                 </a:solidFill>
@@ -8317,7 +8359,7 @@
               <a:t>Amarkant</a:t>
             </a:r>
             <a:r>
-              <a:rPr lang="en-US" sz="3100" kern="1200" dirty="0">
+              <a:rPr lang="en-US" sz="1600" kern="1200" dirty="0">
                 <a:solidFill>
                   <a:srgbClr val="FFFFFF"/>
                 </a:solidFill>
@@ -8328,7 +8370,7 @@
               <a:t> Gupta</a:t>
             </a:r>
             <a:br>
-              <a:rPr lang="en-US" sz="3100" kern="1200" dirty="0">
+              <a:rPr lang="en-US" sz="1600" kern="1200" dirty="0">
                 <a:solidFill>
                   <a:srgbClr val="FFFFFF"/>
                 </a:solidFill>
@@ -8338,7 +8380,7 @@
               </a:rPr>
             </a:br>
             <a:r>
-              <a:rPr lang="en-US" sz="3100" kern="1200" dirty="0">
+              <a:rPr lang="en-US" sz="1600" kern="1200" dirty="0">
                 <a:solidFill>
                   <a:srgbClr val="FFFFFF"/>
                 </a:solidFill>
@@ -8346,21 +8388,10 @@
                 <a:ea typeface="+mj-ea"/>
                 <a:cs typeface="+mj-cs"/>
               </a:rPr>
-              <a:t> </a:t>
-            </a:r>
-            <a:r>
-              <a:rPr lang="en-US" sz="3100" kern="1200" dirty="0" err="1">
-                <a:solidFill>
-                  <a:srgbClr val="FFFFFF"/>
-                </a:solidFill>
-                <a:latin typeface="+mj-lt"/>
-                <a:ea typeface="+mj-ea"/>
-                <a:cs typeface="+mj-cs"/>
-              </a:rPr>
-              <a:t>Saumyarani</a:t>
+              <a:t> Saumyarani S</a:t>
             </a:r>
             <a:br>
-              <a:rPr lang="en-US" sz="3100" kern="1200" dirty="0">
+              <a:rPr lang="en-US" sz="1600" kern="1200" dirty="0">
                 <a:solidFill>
                   <a:srgbClr val="FFFFFF"/>
                 </a:solidFill>
@@ -8370,7 +8401,7 @@
               </a:rPr>
             </a:br>
             <a:r>
-              <a:rPr lang="en-US" sz="3100" kern="1200" dirty="0">
+              <a:rPr lang="en-US" sz="1600" kern="1200" dirty="0">
                 <a:solidFill>
                   <a:srgbClr val="FFFFFF"/>
                 </a:solidFill>
@@ -8381,7 +8412,7 @@
               <a:t>Naveen Varma</a:t>
             </a:r>
             <a:br>
-              <a:rPr lang="en-US" sz="3100" kern="1200" dirty="0">
+              <a:rPr lang="en-US" sz="1600" kern="1200" dirty="0">
                 <a:solidFill>
                   <a:srgbClr val="FFFFFF"/>
                 </a:solidFill>
@@ -8391,7 +8422,7 @@
               </a:rPr>
             </a:br>
             <a:r>
-              <a:rPr lang="en-US" sz="3100" kern="1200" dirty="0">
+              <a:rPr lang="en-US" sz="1600" kern="1200" dirty="0">
                 <a:solidFill>
                   <a:srgbClr val="FFFFFF"/>
                 </a:solidFill>
@@ -8561,6 +8592,50 @@
           </a:p>
         </p:txBody>
       </p:sp>
+      <p:sp>
+        <p:nvSpPr>
+          <p:cNvPr id="2" name="TextBox 1">
+            <a:extLst>
+              <a:ext uri="{FF2B5EF4-FFF2-40B4-BE49-F238E27FC236}">
+                <a16:creationId xmlns:a16="http://schemas.microsoft.com/office/drawing/2014/main" id="{8496342B-AC94-4D47-9048-7DE1679DC38F}"/>
+              </a:ext>
+            </a:extLst>
+          </p:cNvPr>
+          <p:cNvSpPr txBox="1"/>
+          <p:nvPr/>
+        </p:nvSpPr>
+        <p:spPr>
+          <a:xfrm>
+            <a:off x="3827721" y="1178719"/>
+            <a:ext cx="5084522" cy="2523768"/>
+          </a:xfrm>
+          <a:prstGeom prst="rect">
+            <a:avLst/>
+          </a:prstGeom>
+          <a:noFill/>
+        </p:spPr>
+        <p:txBody>
+          <a:bodyPr wrap="square" rtlCol="0">
+            <a:spAutoFit/>
+          </a:bodyPr>
+          <a:lstStyle/>
+          <a:p>
+            <a:r>
+              <a:rPr lang="en-US" sz="2400" b="0" i="0" dirty="0">
+                <a:effectLst/>
+                <a:latin typeface="Segoe UI" panose="020B0502040204020203" pitchFamily="34" charset="0"/>
+              </a:rPr>
+              <a:t>Career Guidance provides an automated online platform where students can get real online guide on their future careers and subjects choices and combinations that will help them realize their dreams.</a:t>
+            </a:r>
+          </a:p>
+          <a:p>
+            <a:pPr algn="l"/>
+            <a:endParaRPr lang="en-IN" dirty="0">
+              <a:latin typeface="Helvetica" pitchFamily="2" charset="0"/>
+            </a:endParaRPr>
+          </a:p>
+        </p:txBody>
+      </p:sp>
     </p:spTree>
     <p:extLst>
       <p:ext uri="{BB962C8B-B14F-4D97-AF65-F5344CB8AC3E}">
@@ -8612,7 +8687,104 @@
           <a:bodyPr/>
           <a:lstStyle/>
           <a:p>
-            <a:endParaRPr lang="en-US"/>
+            <a:r>
+              <a:rPr lang="en-US" dirty="0"/>
+              <a:t>Advantages:</a:t>
+            </a:r>
+          </a:p>
+        </p:txBody>
+      </p:sp>
+      <p:sp>
+        <p:nvSpPr>
+          <p:cNvPr id="3" name="TextBox 2">
+            <a:extLst>
+              <a:ext uri="{FF2B5EF4-FFF2-40B4-BE49-F238E27FC236}">
+                <a16:creationId xmlns:a16="http://schemas.microsoft.com/office/drawing/2014/main" id="{9E0484A1-EF78-49D8-AD55-6F6A9118799A}"/>
+              </a:ext>
+            </a:extLst>
+          </p:cNvPr>
+          <p:cNvSpPr txBox="1"/>
+          <p:nvPr/>
+        </p:nvSpPr>
+        <p:spPr>
+          <a:xfrm>
+            <a:off x="90429" y="578644"/>
+            <a:ext cx="7753410" cy="3262432"/>
+          </a:xfrm>
+          <a:prstGeom prst="rect">
+            <a:avLst/>
+          </a:prstGeom>
+          <a:noFill/>
+        </p:spPr>
+        <p:txBody>
+          <a:bodyPr wrap="square" rtlCol="0">
+            <a:spAutoFit/>
+          </a:bodyPr>
+          <a:lstStyle/>
+          <a:p>
+            <a:pPr marL="268288" indent="-268288" algn="just">
+              <a:buFont typeface="Arial" panose="020B0604020202020204" pitchFamily="34" charset="0"/>
+              <a:buChar char="•"/>
+            </a:pPr>
+            <a:r>
+              <a:rPr lang="en-US" sz="2400" b="1" i="0" dirty="0">
+                <a:effectLst/>
+                <a:latin typeface="Segoe UI" panose="020B0502040204020203" pitchFamily="34" charset="0"/>
+              </a:rPr>
+              <a:t>Easy:</a:t>
+            </a:r>
+            <a:r>
+              <a:rPr lang="en-US" sz="2400" b="0" i="0" dirty="0">
+                <a:effectLst/>
+                <a:latin typeface="Segoe UI" panose="020B0502040204020203" pitchFamily="34" charset="0"/>
+              </a:rPr>
+              <a:t> </a:t>
+            </a:r>
+          </a:p>
+          <a:p>
+            <a:pPr marL="268288" algn="just"/>
+            <a:r>
+              <a:rPr lang="en-US" sz="2400" b="0" i="0" dirty="0">
+                <a:effectLst/>
+                <a:latin typeface="Segoe UI" panose="020B0502040204020203" pitchFamily="34" charset="0"/>
+              </a:rPr>
+              <a:t>Its easier to access.</a:t>
+            </a:r>
+          </a:p>
+          <a:p>
+            <a:pPr marL="268288" algn="just"/>
+            <a:endParaRPr lang="en-US" sz="2400" b="0" i="0" dirty="0">
+              <a:effectLst/>
+              <a:latin typeface="Segoe UI" panose="020B0502040204020203" pitchFamily="34" charset="0"/>
+            </a:endParaRPr>
+          </a:p>
+          <a:p>
+            <a:pPr marL="268288" indent="-268288" algn="just">
+              <a:buFont typeface="Arial" panose="020B0604020202020204" pitchFamily="34" charset="0"/>
+              <a:buChar char="•"/>
+            </a:pPr>
+            <a:r>
+              <a:rPr lang="en-US" sz="2400" b="1" dirty="0">
+                <a:latin typeface="Segoe UI" panose="020B0502040204020203" pitchFamily="34" charset="0"/>
+              </a:rPr>
+              <a:t>User Friendly: </a:t>
+            </a:r>
+          </a:p>
+          <a:p>
+            <a:pPr marL="268288" lvl="1"/>
+            <a:r>
+              <a:rPr lang="en-US" sz="2400" b="0" i="0" dirty="0">
+                <a:effectLst/>
+                <a:latin typeface="Segoe UI" panose="020B0502040204020203" pitchFamily="34" charset="0"/>
+              </a:rPr>
+              <a:t>Its friendly, they just have to register to the Career Guidance by providing the personal details. They can choose their area of interest and get the job details, eligibility criteria and competitive exam details.</a:t>
+            </a:r>
+          </a:p>
+          <a:p>
+            <a:pPr algn="l"/>
+            <a:endParaRPr lang="en-IN" dirty="0">
+              <a:latin typeface="Helvetica" pitchFamily="2" charset="0"/>
+            </a:endParaRPr>
           </a:p>
         </p:txBody>
       </p:sp>
@@ -8662,12 +8834,20 @@
             <p:ph type="title"/>
           </p:nvPr>
         </p:nvSpPr>
-        <p:spPr/>
+        <p:spPr>
+          <a:xfrm>
+            <a:off x="90428" y="62918"/>
+            <a:ext cx="7886700" cy="290849"/>
+          </a:xfrm>
+        </p:spPr>
         <p:txBody>
           <a:bodyPr/>
           <a:lstStyle/>
           <a:p>
-            <a:endParaRPr lang="en-US"/>
+            <a:r>
+              <a:rPr lang="en-US" dirty="0"/>
+              <a:t>Structure:</a:t>
+            </a:r>
           </a:p>
         </p:txBody>
       </p:sp>
@@ -9438,107 +9618,24 @@
 </file>
 
 <file path=customXml/item2.xml><?xml version="1.0" encoding="utf-8"?>
-<ct:contentTypeSchema xmlns:ct="http://schemas.microsoft.com/office/2006/metadata/contentType" xmlns:ma="http://schemas.microsoft.com/office/2006/metadata/properties/metaAttributes" ct:_="" ma:_="" ma:contentTypeName="Document" ma:contentTypeID="0x0101005FD4EFE0871F9B4E8B6F8CE5DC237FC0" ma:contentTypeVersion="10" ma:contentTypeDescription="Create a new document." ma:contentTypeScope="" ma:versionID="2daaa1544762ebad137934dc0469e095">
-  <xsd:schema xmlns:xsd="http://www.w3.org/2001/XMLSchema" xmlns:xs="http://www.w3.org/2001/XMLSchema" xmlns:p="http://schemas.microsoft.com/office/2006/metadata/properties" xmlns:ns2="0eb503f0-7a21-42f5-bc14-522f134710ce" xmlns:ns3="825b0f49-0a22-44dd-bb7d-ea282795ee3e" targetNamespace="http://schemas.microsoft.com/office/2006/metadata/properties" ma:root="true" ma:fieldsID="727d937a3ba0ce38f09bebccdd3aad45" ns2:_="" ns3:_="">
-    <xsd:import namespace="0eb503f0-7a21-42f5-bc14-522f134710ce"/>
-    <xsd:import namespace="825b0f49-0a22-44dd-bb7d-ea282795ee3e"/>
+<p:properties xmlns:p="http://schemas.microsoft.com/office/2006/metadata/properties" xmlns:xsi="http://www.w3.org/2001/XMLSchema-instance" xmlns:pc="http://schemas.microsoft.com/office/infopath/2007/PartnerControls">
+  <documentManagement/>
+</p:properties>
+</file>
+
+<file path=customXml/item3.xml><?xml version="1.0" encoding="utf-8"?>
+<ct:contentTypeSchema xmlns:ct="http://schemas.microsoft.com/office/2006/metadata/contentType" xmlns:ma="http://schemas.microsoft.com/office/2006/metadata/properties/metaAttributes" ct:_="" ma:_="" ma:contentTypeName="Document" ma:contentTypeID="0x0101004126529BA98A294EA1775698362745B8" ma:contentTypeVersion="0" ma:contentTypeDescription="Create a new document." ma:contentTypeScope="" ma:versionID="9d29fd1d773c6373e783b34c2a05837f">
+  <xsd:schema xmlns:xsd="http://www.w3.org/2001/XMLSchema" xmlns:xs="http://www.w3.org/2001/XMLSchema" xmlns:p="http://schemas.microsoft.com/office/2006/metadata/properties" targetNamespace="http://schemas.microsoft.com/office/2006/metadata/properties" ma:root="true" ma:fieldsID="d413257cd9829394d17656a545d5fa4e">
     <xsd:element name="properties">
       <xsd:complexType>
         <xsd:sequence>
           <xsd:element name="documentManagement">
             <xsd:complexType>
-              <xsd:all>
-                <xsd:element ref="ns2:MediaServiceMetadata" minOccurs="0"/>
-                <xsd:element ref="ns2:MediaServiceFastMetadata" minOccurs="0"/>
-                <xsd:element ref="ns2:MediaServiceAutoTags" minOccurs="0"/>
-                <xsd:element ref="ns2:MediaServiceGenerationTime" minOccurs="0"/>
-                <xsd:element ref="ns2:MediaServiceEventHashCode" minOccurs="0"/>
-                <xsd:element ref="ns2:MediaServiceOCR" minOccurs="0"/>
-                <xsd:element ref="ns3:SharedWithUsers" minOccurs="0"/>
-                <xsd:element ref="ns3:SharedWithDetails" minOccurs="0"/>
-                <xsd:element ref="ns2:MediaServiceDateTaken" minOccurs="0"/>
-                <xsd:element ref="ns2:MediaServiceLocation" minOccurs="0"/>
-              </xsd:all>
+              <xsd:all/>
             </xsd:complexType>
           </xsd:element>
         </xsd:sequence>
       </xsd:complexType>
-    </xsd:element>
-  </xsd:schema>
-  <xsd:schema xmlns:xsd="http://www.w3.org/2001/XMLSchema" xmlns:xs="http://www.w3.org/2001/XMLSchema" xmlns:dms="http://schemas.microsoft.com/office/2006/documentManagement/types" xmlns:pc="http://schemas.microsoft.com/office/infopath/2007/PartnerControls" targetNamespace="0eb503f0-7a21-42f5-bc14-522f134710ce" elementFormDefault="qualified">
-    <xsd:import namespace="http://schemas.microsoft.com/office/2006/documentManagement/types"/>
-    <xsd:import namespace="http://schemas.microsoft.com/office/infopath/2007/PartnerControls"/>
-    <xsd:element name="MediaServiceMetadata" ma:index="8" nillable="true" ma:displayName="MediaServiceMetadata" ma:hidden="true" ma:internalName="MediaServiceMetadata" ma:readOnly="true">
-      <xsd:simpleType>
-        <xsd:restriction base="dms:Note"/>
-      </xsd:simpleType>
-    </xsd:element>
-    <xsd:element name="MediaServiceFastMetadata" ma:index="9" nillable="true" ma:displayName="MediaServiceFastMetadata" ma:hidden="true" ma:internalName="MediaServiceFastMetadata" ma:readOnly="true">
-      <xsd:simpleType>
-        <xsd:restriction base="dms:Note"/>
-      </xsd:simpleType>
-    </xsd:element>
-    <xsd:element name="MediaServiceAutoTags" ma:index="10" nillable="true" ma:displayName="Tags" ma:internalName="MediaServiceAutoTags" ma:readOnly="true">
-      <xsd:simpleType>
-        <xsd:restriction base="dms:Text"/>
-      </xsd:simpleType>
-    </xsd:element>
-    <xsd:element name="MediaServiceGenerationTime" ma:index="11" nillable="true" ma:displayName="MediaServiceGenerationTime" ma:hidden="true" ma:internalName="MediaServiceGenerationTime" ma:readOnly="true">
-      <xsd:simpleType>
-        <xsd:restriction base="dms:Text"/>
-      </xsd:simpleType>
-    </xsd:element>
-    <xsd:element name="MediaServiceEventHashCode" ma:index="12" nillable="true" ma:displayName="MediaServiceEventHashCode" ma:hidden="true" ma:internalName="MediaServiceEventHashCode" ma:readOnly="true">
-      <xsd:simpleType>
-        <xsd:restriction base="dms:Text"/>
-      </xsd:simpleType>
-    </xsd:element>
-    <xsd:element name="MediaServiceOCR" ma:index="13" nillable="true" ma:displayName="Extracted Text" ma:internalName="MediaServiceOCR" ma:readOnly="true">
-      <xsd:simpleType>
-        <xsd:restriction base="dms:Note">
-          <xsd:maxLength value="255"/>
-        </xsd:restriction>
-      </xsd:simpleType>
-    </xsd:element>
-    <xsd:element name="MediaServiceDateTaken" ma:index="16" nillable="true" ma:displayName="MediaServiceDateTaken" ma:hidden="true" ma:internalName="MediaServiceDateTaken" ma:readOnly="true">
-      <xsd:simpleType>
-        <xsd:restriction base="dms:Text"/>
-      </xsd:simpleType>
-    </xsd:element>
-    <xsd:element name="MediaServiceLocation" ma:index="17" nillable="true" ma:displayName="Location" ma:internalName="MediaServiceLocation" ma:readOnly="true">
-      <xsd:simpleType>
-        <xsd:restriction base="dms:Text"/>
-      </xsd:simpleType>
-    </xsd:element>
-  </xsd:schema>
-  <xsd:schema xmlns:xsd="http://www.w3.org/2001/XMLSchema" xmlns:xs="http://www.w3.org/2001/XMLSchema" xmlns:dms="http://schemas.microsoft.com/office/2006/documentManagement/types" xmlns:pc="http://schemas.microsoft.com/office/infopath/2007/PartnerControls" targetNamespace="825b0f49-0a22-44dd-bb7d-ea282795ee3e" elementFormDefault="qualified">
-    <xsd:import namespace="http://schemas.microsoft.com/office/2006/documentManagement/types"/>
-    <xsd:import namespace="http://schemas.microsoft.com/office/infopath/2007/PartnerControls"/>
-    <xsd:element name="SharedWithUsers" ma:index="14" nillable="true" ma:displayName="Shared With" ma:internalName="SharedWithUsers" ma:readOnly="true">
-      <xsd:complexType>
-        <xsd:complexContent>
-          <xsd:extension base="dms:UserMulti">
-            <xsd:sequence>
-              <xsd:element name="UserInfo" minOccurs="0" maxOccurs="unbounded">
-                <xsd:complexType>
-                  <xsd:sequence>
-                    <xsd:element name="DisplayName" type="xsd:string" minOccurs="0"/>
-                    <xsd:element name="AccountId" type="dms:UserId" minOccurs="0" nillable="true"/>
-                    <xsd:element name="AccountType" type="xsd:string" minOccurs="0"/>
-                  </xsd:sequence>
-                </xsd:complexType>
-              </xsd:element>
-            </xsd:sequence>
-          </xsd:extension>
-        </xsd:complexContent>
-      </xsd:complexType>
-    </xsd:element>
-    <xsd:element name="SharedWithDetails" ma:index="15" nillable="true" ma:displayName="Shared With Details" ma:internalName="SharedWithDetails" ma:readOnly="true">
-      <xsd:simpleType>
-        <xsd:restriction base="dms:Note">
-          <xsd:maxLength value="255"/>
-        </xsd:restriction>
-      </xsd:simpleType>
     </xsd:element>
   </xsd:schema>
   <xsd:schema xmlns="http://schemas.openxmlformats.org/package/2006/metadata/core-properties" xmlns:xsd="http://www.w3.org/2001/XMLSchema" xmlns:xsi="http://www.w3.org/2001/XMLSchema-instance" xmlns:dc="http://purl.org/dc/elements/1.1/" xmlns:dcterms="http://purl.org/dc/terms/" xmlns:odoc="http://schemas.microsoft.com/internal/obd" targetNamespace="http://schemas.openxmlformats.org/package/2006/metadata/core-properties" elementFormDefault="qualified" attributeFormDefault="unqualified" blockDefault="#all">
@@ -9640,50 +9737,6 @@
 </ct:contentTypeSchema>
 </file>
 
-<file path=customXml/item3.xml><?xml version="1.0" encoding="utf-8"?>
-<p:properties xmlns:p="http://schemas.microsoft.com/office/2006/metadata/properties" xmlns:xsi="http://www.w3.org/2001/XMLSchema-instance" xmlns:pc="http://schemas.microsoft.com/office/infopath/2007/PartnerControls">
-  <documentManagement>
-    <SharedWithUsers xmlns="825b0f49-0a22-44dd-bb7d-ea282795ee3e">
-      <UserInfo>
-        <DisplayName>Dan Dumont</DisplayName>
-        <AccountId>13</AccountId>
-        <AccountType/>
-      </UserInfo>
-      <UserInfo>
-        <DisplayName>Jason Gary</DisplayName>
-        <AccountId>12</AccountId>
-        <AccountType/>
-      </UserInfo>
-      <UserInfo>
-        <DisplayName>Sivarama Sowri Varanasi</DisplayName>
-        <AccountId>19</AccountId>
-        <AccountType/>
-      </UserInfo>
-      <UserInfo>
-        <DisplayName>Shivamsuraj Sahay</DisplayName>
-        <AccountId>16</AccountId>
-        <AccountType/>
-      </UserInfo>
-      <UserInfo>
-        <DisplayName>Christopher Heltzel</DisplayName>
-        <AccountId>11</AccountId>
-        <AccountType/>
-      </UserInfo>
-      <UserInfo>
-        <DisplayName>Michael Alexander</DisplayName>
-        <AccountId>3</AccountId>
-        <AccountType/>
-      </UserInfo>
-      <UserInfo>
-        <DisplayName>Cindy Wu</DisplayName>
-        <AccountId>10</AccountId>
-        <AccountType/>
-      </UserInfo>
-    </SharedWithUsers>
-  </documentManagement>
-</p:properties>
-</file>
-
 <file path=customXml/itemProps1.xml><?xml version="1.0" encoding="utf-8"?>
 <ds:datastoreItem xmlns:ds="http://schemas.openxmlformats.org/officeDocument/2006/customXml" ds:itemID="{9EE07BBE-10DE-466D-AC99-F2DD17B5EB43}">
   <ds:schemaRefs>
@@ -9693,25 +9746,6 @@
 </file>
 
 <file path=customXml/itemProps2.xml><?xml version="1.0" encoding="utf-8"?>
-<ds:datastoreItem xmlns:ds="http://schemas.openxmlformats.org/officeDocument/2006/customXml" ds:itemID="{62CB42CE-5F5A-47A7-98D6-29CB46530FC3}">
-  <ds:schemaRefs>
-    <ds:schemaRef ds:uri="http://schemas.microsoft.com/office/2006/metadata/contentType"/>
-    <ds:schemaRef ds:uri="http://schemas.microsoft.com/office/2006/metadata/properties/metaAttributes"/>
-    <ds:schemaRef ds:uri="http://www.w3.org/2001/XMLSchema"/>
-    <ds:schemaRef ds:uri="http://schemas.microsoft.com/office/2006/metadata/properties"/>
-    <ds:schemaRef ds:uri="0eb503f0-7a21-42f5-bc14-522f134710ce"/>
-    <ds:schemaRef ds:uri="825b0f49-0a22-44dd-bb7d-ea282795ee3e"/>
-    <ds:schemaRef ds:uri="http://schemas.microsoft.com/office/2006/documentManagement/types"/>
-    <ds:schemaRef ds:uri="http://schemas.microsoft.com/office/infopath/2007/PartnerControls"/>
-    <ds:schemaRef ds:uri="http://schemas.openxmlformats.org/package/2006/metadata/core-properties"/>
-    <ds:schemaRef ds:uri="http://purl.org/dc/elements/1.1/"/>
-    <ds:schemaRef ds:uri="http://purl.org/dc/terms/"/>
-    <ds:schemaRef ds:uri="http://schemas.microsoft.com/internal/obd"/>
-  </ds:schemaRefs>
-</ds:datastoreItem>
-</file>
-
-<file path=customXml/itemProps3.xml><?xml version="1.0" encoding="utf-8"?>
 <ds:datastoreItem xmlns:ds="http://schemas.openxmlformats.org/officeDocument/2006/customXml" ds:itemID="{A3E968AC-40ED-4C48-80B4-7496923D45B9}">
   <ds:schemaRefs>
     <ds:schemaRef ds:uri="09c7ef91-edcc-4453-9cf9-84d5f5d7528a"/>
@@ -9727,4 +9761,8 @@
     <ds:schemaRef ds:uri="825b0f49-0a22-44dd-bb7d-ea282795ee3e"/>
   </ds:schemaRefs>
 </ds:datastoreItem>
+</file>
+
+<file path=customXml/itemProps3.xml><?xml version="1.0" encoding="utf-8"?>
+<ds:datastoreItem xmlns:ds="http://schemas.openxmlformats.org/officeDocument/2006/customXml" ds:itemID="{A3FEDDC0-787D-41F7-88FB-728F93607D32}"/>
 </file>
--- a/Bytecode Blasters.pptx
+++ b/Bytecode Blasters.pptx
@@ -5,19 +5,21 @@
     <p:sldMasterId id="2147483648" r:id="rId4"/>
   </p:sldMasterIdLst>
   <p:notesMasterIdLst>
-    <p:notesMasterId r:id="rId15"/>
+    <p:notesMasterId r:id="rId17"/>
   </p:notesMasterIdLst>
   <p:sldIdLst>
     <p:sldId id="358" r:id="rId5"/>
     <p:sldId id="10199" r:id="rId6"/>
     <p:sldId id="348" r:id="rId7"/>
     <p:sldId id="10219" r:id="rId8"/>
-    <p:sldId id="10205" r:id="rId9"/>
+    <p:sldId id="10493" r:id="rId9"/>
     <p:sldId id="10212" r:id="rId10"/>
-    <p:sldId id="10215" r:id="rId11"/>
-    <p:sldId id="10482" r:id="rId12"/>
-    <p:sldId id="10491" r:id="rId13"/>
-    <p:sldId id="2943" r:id="rId14"/>
+    <p:sldId id="10492" r:id="rId11"/>
+    <p:sldId id="10491" r:id="rId12"/>
+    <p:sldId id="10494" r:id="rId13"/>
+    <p:sldId id="10495" r:id="rId14"/>
+    <p:sldId id="10496" r:id="rId15"/>
+    <p:sldId id="2943" r:id="rId16"/>
   </p:sldIdLst>
   <p:sldSz cx="9144000" cy="5143500" type="screen16x9"/>
   <p:notesSz cx="6858000" cy="9144000"/>
@@ -241,7 +243,7 @@
           <a:p>
             <a:fld id="{70AACD10-F646-6841-9252-5C720B955ADD}" type="datetimeFigureOut">
               <a:rPr lang="en-US" smtClean="0"/>
-              <a:t>10/15/2020</a:t>
+              <a:t>20-Oct-20</a:t>
             </a:fld>
             <a:endParaRPr lang="en-US"/>
           </a:p>
@@ -1092,7 +1094,7 @@
           <a:p>
             <a:fld id="{33CA334D-47BF-4C51-9467-739C33E87C70}" type="datetimeFigureOut">
               <a:rPr lang="en-US" smtClean="0"/>
-              <a:t>10/15/2020</a:t>
+              <a:t>20-Oct-20</a:t>
             </a:fld>
             <a:endParaRPr lang="en-US"/>
           </a:p>
@@ -1251,7 +1253,7 @@
           <a:p>
             <a:fld id="{33CA334D-47BF-4C51-9467-739C33E87C70}" type="datetimeFigureOut">
               <a:rPr lang="en-US" smtClean="0"/>
-              <a:t>10/15/2020</a:t>
+              <a:t>20-Oct-20</a:t>
             </a:fld>
             <a:endParaRPr lang="en-US"/>
           </a:p>
@@ -1408,7 +1410,7 @@
           <a:p>
             <a:fld id="{33CA334D-47BF-4C51-9467-739C33E87C70}" type="datetimeFigureOut">
               <a:rPr lang="en-US" smtClean="0"/>
-              <a:t>10/15/2020</a:t>
+              <a:t>20-Oct-20</a:t>
             </a:fld>
             <a:endParaRPr lang="en-US"/>
           </a:p>
@@ -4419,7 +4421,7 @@
           <a:p>
             <a:fld id="{33CA334D-47BF-4C51-9467-739C33E87C70}" type="datetimeFigureOut">
               <a:rPr lang="en-US" smtClean="0"/>
-              <a:t>10/15/2020</a:t>
+              <a:t>20-Oct-20</a:t>
             </a:fld>
             <a:endParaRPr lang="en-US"/>
           </a:p>
@@ -4735,7 +4737,7 @@
           <a:p>
             <a:fld id="{33CA334D-47BF-4C51-9467-739C33E87C70}" type="datetimeFigureOut">
               <a:rPr lang="en-US" smtClean="0"/>
-              <a:t>10/15/2020</a:t>
+              <a:t>20-Oct-20</a:t>
             </a:fld>
             <a:endParaRPr lang="en-US"/>
           </a:p>
@@ -5103,7 +5105,7 @@
           <a:p>
             <a:fld id="{33CA334D-47BF-4C51-9467-739C33E87C70}" type="datetimeFigureOut">
               <a:rPr lang="en-US" smtClean="0"/>
-              <a:t>10/15/2020</a:t>
+              <a:t>20-Oct-20</a:t>
             </a:fld>
             <a:endParaRPr lang="en-US"/>
           </a:p>
@@ -5334,7 +5336,7 @@
           <a:p>
             <a:fld id="{33CA334D-47BF-4C51-9467-739C33E87C70}" type="datetimeFigureOut">
               <a:rPr lang="en-US" smtClean="0"/>
-              <a:t>10/15/2020</a:t>
+              <a:t>20-Oct-20</a:t>
             </a:fld>
             <a:endParaRPr lang="en-US"/>
           </a:p>
@@ -5583,7 +5585,7 @@
           <a:p>
             <a:fld id="{33CA334D-47BF-4C51-9467-739C33E87C70}" type="datetimeFigureOut">
               <a:rPr lang="en-US" smtClean="0"/>
-              <a:t>10/15/2020</a:t>
+              <a:t>20-Oct-20</a:t>
             </a:fld>
             <a:endParaRPr lang="en-US"/>
           </a:p>
@@ -5913,7 +5915,7 @@
           <a:p>
             <a:fld id="{33CA334D-47BF-4C51-9467-739C33E87C70}" type="datetimeFigureOut">
               <a:rPr lang="en-US" smtClean="0"/>
-              <a:t>10/15/2020</a:t>
+              <a:t>20-Oct-20</a:t>
             </a:fld>
             <a:endParaRPr lang="en-US"/>
           </a:p>
@@ -6042,7 +6044,7 @@
           <a:p>
             <a:fld id="{33CA334D-47BF-4C51-9467-739C33E87C70}" type="datetimeFigureOut">
               <a:rPr lang="en-US" smtClean="0"/>
-              <a:t>10/15/2020</a:t>
+              <a:t>20-Oct-20</a:t>
             </a:fld>
             <a:endParaRPr lang="en-US"/>
           </a:p>
@@ -7435,6 +7437,295 @@
 <file path=ppt/slides/slide10.xml><?xml version="1.0" encoding="utf-8"?>
 <p:sld xmlns:a="http://schemas.openxmlformats.org/drawingml/2006/main" xmlns:r="http://schemas.openxmlformats.org/officeDocument/2006/relationships" xmlns:p="http://schemas.openxmlformats.org/presentationml/2006/main">
   <p:cSld>
+    <p:spTree>
+      <p:nvGrpSpPr>
+        <p:cNvPr id="1" name=""/>
+        <p:cNvGrpSpPr/>
+        <p:nvPr/>
+      </p:nvGrpSpPr>
+      <p:grpSpPr>
+        <a:xfrm>
+          <a:off x="0" y="0"/>
+          <a:ext cx="0" cy="0"/>
+          <a:chOff x="0" y="0"/>
+          <a:chExt cx="0" cy="0"/>
+        </a:xfrm>
+      </p:grpSpPr>
+      <p:sp>
+        <p:nvSpPr>
+          <p:cNvPr id="2" name="Content Placeholder 1">
+            <a:extLst>
+              <a:ext uri="{FF2B5EF4-FFF2-40B4-BE49-F238E27FC236}">
+                <a16:creationId xmlns:a16="http://schemas.microsoft.com/office/drawing/2014/main" id="{80705B8E-24A2-4D66-96ED-D04BE29D0671}"/>
+              </a:ext>
+            </a:extLst>
+          </p:cNvPr>
+          <p:cNvSpPr>
+            <a:spLocks noGrp="1"/>
+          </p:cNvSpPr>
+          <p:nvPr>
+            <p:ph idx="1"/>
+          </p:nvPr>
+        </p:nvSpPr>
+        <p:spPr>
+          <a:xfrm>
+            <a:off x="267143" y="538493"/>
+            <a:ext cx="7886700" cy="290850"/>
+          </a:xfrm>
+        </p:spPr>
+        <p:txBody>
+          <a:bodyPr/>
+          <a:lstStyle/>
+          <a:p>
+            <a:pPr marL="0" indent="0">
+              <a:buNone/>
+            </a:pPr>
+            <a:r>
+              <a:rPr lang="en-US" b="1" dirty="0"/>
+              <a:t>2. New User</a:t>
+            </a:r>
+          </a:p>
+        </p:txBody>
+      </p:sp>
+      <p:sp>
+        <p:nvSpPr>
+          <p:cNvPr id="3" name="Title 2">
+            <a:extLst>
+              <a:ext uri="{FF2B5EF4-FFF2-40B4-BE49-F238E27FC236}">
+                <a16:creationId xmlns:a16="http://schemas.microsoft.com/office/drawing/2014/main" id="{CB694D28-D6B4-4FDC-BB2E-D8DA1909C775}"/>
+              </a:ext>
+            </a:extLst>
+          </p:cNvPr>
+          <p:cNvSpPr>
+            <a:spLocks noGrp="1"/>
+          </p:cNvSpPr>
+          <p:nvPr>
+            <p:ph type="title"/>
+          </p:nvPr>
+        </p:nvSpPr>
+        <p:spPr/>
+        <p:txBody>
+          <a:bodyPr/>
+          <a:lstStyle/>
+          <a:p>
+            <a:r>
+              <a:rPr lang="en-US" dirty="0"/>
+              <a:t> Output</a:t>
+            </a:r>
+          </a:p>
+        </p:txBody>
+      </p:sp>
+      <p:pic>
+        <p:nvPicPr>
+          <p:cNvPr id="7" name="Picture 6">
+            <a:extLst>
+              <a:ext uri="{FF2B5EF4-FFF2-40B4-BE49-F238E27FC236}">
+                <a16:creationId xmlns:a16="http://schemas.microsoft.com/office/drawing/2014/main" id="{D536A8B7-A96B-4507-B251-3CA119414BBA}"/>
+              </a:ext>
+            </a:extLst>
+          </p:cNvPr>
+          <p:cNvPicPr>
+            <a:picLocks noChangeAspect="1"/>
+          </p:cNvPicPr>
+          <p:nvPr/>
+        </p:nvPicPr>
+        <p:blipFill>
+          <a:blip r:embed="rId2"/>
+          <a:stretch>
+            <a:fillRect/>
+          </a:stretch>
+        </p:blipFill>
+        <p:spPr>
+          <a:xfrm>
+            <a:off x="552892" y="797449"/>
+            <a:ext cx="8323963" cy="3870248"/>
+          </a:xfrm>
+          <a:prstGeom prst="rect">
+            <a:avLst/>
+          </a:prstGeom>
+        </p:spPr>
+      </p:pic>
+      <p:sp>
+        <p:nvSpPr>
+          <p:cNvPr id="5" name="TextBox 4">
+            <a:extLst>
+              <a:ext uri="{FF2B5EF4-FFF2-40B4-BE49-F238E27FC236}">
+                <a16:creationId xmlns:a16="http://schemas.microsoft.com/office/drawing/2014/main" id="{1A3F4131-B0A8-4E64-83C3-E5889DBEBC75}"/>
+              </a:ext>
+            </a:extLst>
+          </p:cNvPr>
+          <p:cNvSpPr txBox="1"/>
+          <p:nvPr/>
+        </p:nvSpPr>
+        <p:spPr>
+          <a:xfrm>
+            <a:off x="648586" y="4696406"/>
+            <a:ext cx="2328530" cy="307777"/>
+          </a:xfrm>
+          <a:prstGeom prst="rect">
+            <a:avLst/>
+          </a:prstGeom>
+          <a:noFill/>
+        </p:spPr>
+        <p:txBody>
+          <a:bodyPr wrap="square" rtlCol="0">
+            <a:spAutoFit/>
+          </a:bodyPr>
+          <a:lstStyle/>
+          <a:p>
+            <a:pPr algn="l"/>
+            <a:r>
+              <a:rPr lang="en-US">
+                <a:latin typeface="Helvetica" pitchFamily="2" charset="0"/>
+              </a:rPr>
+              <a:t>Contd..</a:t>
+            </a:r>
+            <a:endParaRPr lang="en-US" dirty="0">
+              <a:latin typeface="Helvetica" pitchFamily="2" charset="0"/>
+            </a:endParaRPr>
+          </a:p>
+        </p:txBody>
+      </p:sp>
+    </p:spTree>
+    <p:extLst>
+      <p:ext uri="{BB962C8B-B14F-4D97-AF65-F5344CB8AC3E}">
+        <p14:creationId xmlns:p14="http://schemas.microsoft.com/office/powerpoint/2010/main" val="1170228779"/>
+      </p:ext>
+    </p:extLst>
+  </p:cSld>
+  <p:clrMapOvr>
+    <a:masterClrMapping/>
+  </p:clrMapOvr>
+</p:sld>
+</file>
+
+<file path=ppt/slides/slide11.xml><?xml version="1.0" encoding="utf-8"?>
+<p:sld xmlns:a="http://schemas.openxmlformats.org/drawingml/2006/main" xmlns:r="http://schemas.openxmlformats.org/officeDocument/2006/relationships" xmlns:p="http://schemas.openxmlformats.org/presentationml/2006/main">
+  <p:cSld>
+    <p:spTree>
+      <p:nvGrpSpPr>
+        <p:cNvPr id="1" name=""/>
+        <p:cNvGrpSpPr/>
+        <p:nvPr/>
+      </p:nvGrpSpPr>
+      <p:grpSpPr>
+        <a:xfrm>
+          <a:off x="0" y="0"/>
+          <a:ext cx="0" cy="0"/>
+          <a:chOff x="0" y="0"/>
+          <a:chExt cx="0" cy="0"/>
+        </a:xfrm>
+      </p:grpSpPr>
+      <p:sp>
+        <p:nvSpPr>
+          <p:cNvPr id="2" name="Content Placeholder 1">
+            <a:extLst>
+              <a:ext uri="{FF2B5EF4-FFF2-40B4-BE49-F238E27FC236}">
+                <a16:creationId xmlns:a16="http://schemas.microsoft.com/office/drawing/2014/main" id="{80705B8E-24A2-4D66-96ED-D04BE29D0671}"/>
+              </a:ext>
+            </a:extLst>
+          </p:cNvPr>
+          <p:cNvSpPr>
+            <a:spLocks noGrp="1"/>
+          </p:cNvSpPr>
+          <p:nvPr>
+            <p:ph idx="1"/>
+          </p:nvPr>
+        </p:nvSpPr>
+        <p:spPr>
+          <a:xfrm>
+            <a:off x="267143" y="538493"/>
+            <a:ext cx="7886700" cy="290850"/>
+          </a:xfrm>
+        </p:spPr>
+        <p:txBody>
+          <a:bodyPr/>
+          <a:lstStyle/>
+          <a:p>
+            <a:pPr marL="0" indent="0">
+              <a:buNone/>
+            </a:pPr>
+            <a:r>
+              <a:rPr lang="en-US" b="1" dirty="0"/>
+              <a:t>2. New User</a:t>
+            </a:r>
+          </a:p>
+        </p:txBody>
+      </p:sp>
+      <p:sp>
+        <p:nvSpPr>
+          <p:cNvPr id="3" name="Title 2">
+            <a:extLst>
+              <a:ext uri="{FF2B5EF4-FFF2-40B4-BE49-F238E27FC236}">
+                <a16:creationId xmlns:a16="http://schemas.microsoft.com/office/drawing/2014/main" id="{CB694D28-D6B4-4FDC-BB2E-D8DA1909C775}"/>
+              </a:ext>
+            </a:extLst>
+          </p:cNvPr>
+          <p:cNvSpPr>
+            <a:spLocks noGrp="1"/>
+          </p:cNvSpPr>
+          <p:nvPr>
+            <p:ph type="title"/>
+          </p:nvPr>
+        </p:nvSpPr>
+        <p:spPr/>
+        <p:txBody>
+          <a:bodyPr/>
+          <a:lstStyle/>
+          <a:p>
+            <a:r>
+              <a:rPr lang="en-US" dirty="0"/>
+              <a:t> Output</a:t>
+            </a:r>
+          </a:p>
+        </p:txBody>
+      </p:sp>
+      <p:pic>
+        <p:nvPicPr>
+          <p:cNvPr id="6" name="Picture 5">
+            <a:extLst>
+              <a:ext uri="{FF2B5EF4-FFF2-40B4-BE49-F238E27FC236}">
+                <a16:creationId xmlns:a16="http://schemas.microsoft.com/office/drawing/2014/main" id="{5346366D-40CF-410E-8FC4-65BB61820B3D}"/>
+              </a:ext>
+            </a:extLst>
+          </p:cNvPr>
+          <p:cNvPicPr>
+            <a:picLocks noChangeAspect="1"/>
+          </p:cNvPicPr>
+          <p:nvPr/>
+        </p:nvPicPr>
+        <p:blipFill>
+          <a:blip r:embed="rId2"/>
+          <a:stretch>
+            <a:fillRect/>
+          </a:stretch>
+        </p:blipFill>
+        <p:spPr>
+          <a:xfrm>
+            <a:off x="614805" y="923925"/>
+            <a:ext cx="7191375" cy="3295650"/>
+          </a:xfrm>
+          <a:prstGeom prst="rect">
+            <a:avLst/>
+          </a:prstGeom>
+        </p:spPr>
+      </p:pic>
+    </p:spTree>
+    <p:extLst>
+      <p:ext uri="{BB962C8B-B14F-4D97-AF65-F5344CB8AC3E}">
+        <p14:creationId xmlns:p14="http://schemas.microsoft.com/office/powerpoint/2010/main" val="3269539964"/>
+      </p:ext>
+    </p:extLst>
+  </p:cSld>
+  <p:clrMapOvr>
+    <a:masterClrMapping/>
+  </p:clrMapOvr>
+</p:sld>
+</file>
+
+<file path=ppt/slides/slide12.xml><?xml version="1.0" encoding="utf-8"?>
+<p:sld xmlns:a="http://schemas.openxmlformats.org/drawingml/2006/main" xmlns:r="http://schemas.openxmlformats.org/officeDocument/2006/relationships" xmlns:p="http://schemas.openxmlformats.org/presentationml/2006/main">
+  <p:cSld>
     <p:bg>
       <p:bgPr>
         <a:solidFill>
@@ -7941,45 +8232,6 @@
           </a:p>
         </p:txBody>
       </p:sp>
-      <p:pic>
-        <p:nvPicPr>
-          <p:cNvPr id="4" name="Picture 3" descr="A close up of a logo&#10;&#10;Description automatically generated">
-            <a:extLst>
-              <a:ext uri="{FF2B5EF4-FFF2-40B4-BE49-F238E27FC236}">
-                <a16:creationId xmlns:a16="http://schemas.microsoft.com/office/drawing/2014/main" id="{34B2478B-7B6F-B745-8815-4738BAF121E6}"/>
-              </a:ext>
-            </a:extLst>
-          </p:cNvPr>
-          <p:cNvPicPr>
-            <a:picLocks noChangeAspect="1"/>
-          </p:cNvPicPr>
-          <p:nvPr/>
-        </p:nvPicPr>
-        <p:blipFill>
-          <a:blip r:embed="rId2" cstate="print">
-            <a:extLst>
-              <a:ext uri="{28A0092B-C50C-407E-A947-70E740481C1C}">
-                <a14:useLocalDpi xmlns:a14="http://schemas.microsoft.com/office/drawing/2010/main" val="0"/>
-              </a:ext>
-            </a:extLst>
-          </a:blip>
-          <a:stretch>
-            <a:fillRect/>
-          </a:stretch>
-        </p:blipFill>
-        <p:spPr>
-          <a:xfrm>
-            <a:off x="2482850" y="482600"/>
-            <a:ext cx="4178299" cy="4178299"/>
-          </a:xfrm>
-          <a:prstGeom prst="rect">
-            <a:avLst/>
-          </a:prstGeom>
-          <a:ln>
-            <a:noFill/>
-          </a:ln>
-        </p:spPr>
-      </p:pic>
       <p:sp>
         <p:nvSpPr>
           <p:cNvPr id="21" name="Isosceles Triangle 20">
@@ -8045,6 +8297,53 @@
           </a:p>
         </p:txBody>
       </p:sp>
+      <p:pic>
+        <p:nvPicPr>
+          <p:cNvPr id="1032" name="Picture 8">
+            <a:extLst>
+              <a:ext uri="{FF2B5EF4-FFF2-40B4-BE49-F238E27FC236}">
+                <a16:creationId xmlns:a16="http://schemas.microsoft.com/office/drawing/2014/main" id="{9D6E572E-D1EB-489C-AB85-A8EE32F8BFFA}"/>
+              </a:ext>
+            </a:extLst>
+          </p:cNvPr>
+          <p:cNvPicPr>
+            <a:picLocks noChangeAspect="1" noChangeArrowheads="1"/>
+          </p:cNvPicPr>
+          <p:nvPr/>
+        </p:nvPicPr>
+        <p:blipFill>
+          <a:blip r:embed="rId2">
+            <a:extLst>
+              <a:ext uri="{28A0092B-C50C-407E-A947-70E740481C1C}">
+                <a14:useLocalDpi xmlns:a14="http://schemas.microsoft.com/office/drawing/2010/main" val="0"/>
+              </a:ext>
+            </a:extLst>
+          </a:blip>
+          <a:srcRect/>
+          <a:stretch>
+            <a:fillRect/>
+          </a:stretch>
+        </p:blipFill>
+        <p:spPr bwMode="auto">
+          <a:xfrm>
+            <a:off x="0" y="0"/>
+            <a:ext cx="9144000" cy="5143500"/>
+          </a:xfrm>
+          <a:prstGeom prst="rect">
+            <a:avLst/>
+          </a:prstGeom>
+          <a:noFill/>
+          <a:extLst>
+            <a:ext uri="{909E8E84-426E-40DD-AFC4-6F175D3DCCD1}">
+              <a14:hiddenFill xmlns:a14="http://schemas.microsoft.com/office/drawing/2010/main">
+                <a:solidFill>
+                  <a:srgbClr val="FFFFFF"/>
+                </a:solidFill>
+              </a14:hiddenFill>
+            </a:ext>
+          </a:extLst>
+        </p:spPr>
+      </p:pic>
     </p:spTree>
     <p:extLst>
       <p:ext uri="{BB962C8B-B14F-4D97-AF65-F5344CB8AC3E}">
@@ -8278,17 +8577,6 @@
               </a:rPr>
             </a:br>
             <a:r>
-              <a:rPr lang="en-US" sz="2000" kern="1200" dirty="0" err="1">
-                <a:solidFill>
-                  <a:srgbClr val="FFFFFF"/>
-                </a:solidFill>
-                <a:latin typeface="+mj-lt"/>
-                <a:ea typeface="+mj-ea"/>
-                <a:cs typeface="+mj-cs"/>
-              </a:rPr>
-              <a:t>ByteCode</a:t>
-            </a:r>
-            <a:r>
               <a:rPr lang="en-US" sz="2000" kern="1200" dirty="0">
                 <a:solidFill>
                   <a:srgbClr val="FFFFFF"/>
@@ -8297,7 +8585,7 @@
                 <a:ea typeface="+mj-ea"/>
                 <a:cs typeface="+mj-cs"/>
               </a:rPr>
-              <a:t> Blasters</a:t>
+              <a:t>Bytecode Blasters</a:t>
             </a:r>
             <a:br>
               <a:rPr lang="en-US" sz="2000" kern="1200" dirty="0">
@@ -8348,17 +8636,6 @@
               </a:rPr>
             </a:br>
             <a:r>
-              <a:rPr lang="en-US" sz="1600" kern="1200" dirty="0" err="1">
-                <a:solidFill>
-                  <a:srgbClr val="FFFFFF"/>
-                </a:solidFill>
-                <a:latin typeface="+mj-lt"/>
-                <a:ea typeface="+mj-ea"/>
-                <a:cs typeface="+mj-cs"/>
-              </a:rPr>
-              <a:t>Amarkant</a:t>
-            </a:r>
-            <a:r>
               <a:rPr lang="en-US" sz="1600" kern="1200" dirty="0">
                 <a:solidFill>
                   <a:srgbClr val="FFFFFF"/>
@@ -8367,7 +8644,7 @@
                 <a:ea typeface="+mj-ea"/>
                 <a:cs typeface="+mj-cs"/>
               </a:rPr>
-              <a:t> Gupta</a:t>
+              <a:t>Amarkant Gupta</a:t>
             </a:r>
             <a:br>
               <a:rPr lang="en-US" sz="1600" kern="1200" dirty="0">
@@ -8688,9 +8965,10 @@
           <a:lstStyle/>
           <a:p>
             <a:r>
-              <a:rPr lang="en-US" dirty="0"/>
+              <a:rPr lang="en-US"/>
               <a:t>Advantages:</a:t>
             </a:r>
+            <a:endParaRPr lang="en-US" dirty="0"/>
           </a:p>
         </p:txBody>
       </p:sp>
@@ -8709,7 +8987,7 @@
         <p:spPr>
           <a:xfrm>
             <a:off x="90429" y="578644"/>
-            <a:ext cx="7753410" cy="3262432"/>
+            <a:ext cx="7753410" cy="4001095"/>
           </a:xfrm>
           <a:prstGeom prst="rect">
             <a:avLst/>
@@ -8731,7 +9009,7 @@
                 <a:effectLst/>
                 <a:latin typeface="Segoe UI" panose="020B0502040204020203" pitchFamily="34" charset="0"/>
               </a:rPr>
-              <a:t>Easy:</a:t>
+              <a:t>Easy Accessibility: </a:t>
             </a:r>
             <a:r>
               <a:rPr lang="en-US" sz="2400" b="0" i="0" dirty="0">
@@ -8748,7 +9026,7 @@
                 <a:effectLst/>
                 <a:latin typeface="Segoe UI" panose="020B0502040204020203" pitchFamily="34" charset="0"/>
               </a:rPr>
-              <a:t>Its easier to access.</a:t>
+              <a:t>User has the leverage to choose the carrier option in the provided list of carrier choices.</a:t>
             </a:r>
           </a:p>
           <a:p>
@@ -8771,13 +9049,35 @@
             </a:r>
           </a:p>
           <a:p>
-            <a:pPr marL="268288" lvl="1"/>
+            <a:pPr marL="611188" lvl="1" indent="-342900">
+              <a:buFont typeface="Arial" panose="020B0604020202020204" pitchFamily="34" charset="0"/>
+              <a:buChar char="•"/>
+            </a:pPr>
             <a:r>
               <a:rPr lang="en-US" sz="2400" b="0" i="0" dirty="0">
                 <a:effectLst/>
                 <a:latin typeface="Segoe UI" panose="020B0502040204020203" pitchFamily="34" charset="0"/>
               </a:rPr>
-              <a:t>Its friendly, they just have to register to the Career Guidance by providing the personal details. They can choose their area of interest and get the job details, eligibility criteria and competitive exam details.</a:t>
+              <a:t>User has to register to the Career Guidance by providing the personal details. </a:t>
+            </a:r>
+          </a:p>
+          <a:p>
+            <a:pPr marL="611188" lvl="1" indent="-342900">
+              <a:buFont typeface="Arial" panose="020B0604020202020204" pitchFamily="34" charset="0"/>
+              <a:buChar char="•"/>
+            </a:pPr>
+            <a:r>
+              <a:rPr lang="en-US" sz="2400" dirty="0">
+                <a:latin typeface="Segoe UI" panose="020B0502040204020203" pitchFamily="34" charset="0"/>
+              </a:rPr>
+              <a:t>User can </a:t>
+            </a:r>
+            <a:r>
+              <a:rPr lang="en-US" sz="2400" b="0" i="0" dirty="0">
+                <a:effectLst/>
+                <a:latin typeface="Segoe UI" panose="020B0502040204020203" pitchFamily="34" charset="0"/>
+              </a:rPr>
+              <a:t>choose their area of interest and get the Job details, Eligibility criteria and Competitive exam details.</a:t>
             </a:r>
           </a:p>
           <a:p>
@@ -8846,15 +9146,1766 @@
           <a:p>
             <a:r>
               <a:rPr lang="en-US" dirty="0"/>
-              <a:t>Structure:</a:t>
-            </a:r>
-          </a:p>
-        </p:txBody>
-      </p:sp>
+              <a:t>Structure of the Project:</a:t>
+            </a:r>
+          </a:p>
+        </p:txBody>
+      </p:sp>
+      <p:sp>
+        <p:nvSpPr>
+          <p:cNvPr id="2" name="Rectangle 1">
+            <a:extLst>
+              <a:ext uri="{FF2B5EF4-FFF2-40B4-BE49-F238E27FC236}">
+                <a16:creationId xmlns:a16="http://schemas.microsoft.com/office/drawing/2014/main" id="{BD55B84A-2A1A-40CA-8E7D-95863CCC84E3}"/>
+              </a:ext>
+            </a:extLst>
+          </p:cNvPr>
+          <p:cNvSpPr>
+            <a:spLocks noChangeArrowheads="1"/>
+          </p:cNvSpPr>
+          <p:nvPr/>
+        </p:nvSpPr>
+        <p:spPr bwMode="auto">
+          <a:xfrm>
+            <a:off x="592402" y="689413"/>
+            <a:ext cx="1570038" cy="930275"/>
+          </a:xfrm>
+          <a:prstGeom prst="rect">
+            <a:avLst/>
+          </a:prstGeom>
+          <a:solidFill>
+            <a:schemeClr val="tx2">
+              <a:lumMod val="20000"/>
+              <a:lumOff val="80000"/>
+            </a:schemeClr>
+          </a:solidFill>
+          <a:ln w="12700">
+            <a:solidFill>
+              <a:srgbClr val="1F3763"/>
+            </a:solidFill>
+            <a:miter lim="800000"/>
+            <a:headEnd/>
+            <a:tailEnd/>
+          </a:ln>
+        </p:spPr>
+        <p:txBody>
+          <a:bodyPr vert="horz" wrap="square" lIns="91440" tIns="45720" rIns="91440" bIns="45720" numCol="1" anchor="ctr" anchorCtr="0" compatLnSpc="1">
+            <a:prstTxWarp prst="textNoShape">
+              <a:avLst/>
+            </a:prstTxWarp>
+          </a:bodyPr>
+          <a:lstStyle/>
+          <a:p>
+            <a:pPr marL="0" marR="0" lvl="0" indent="0" algn="ctr" defTabSz="914400" rtl="0" eaLnBrk="0" fontAlgn="base" latinLnBrk="0" hangingPunct="0">
+              <a:lnSpc>
+                <a:spcPct val="100000"/>
+              </a:lnSpc>
+              <a:spcBef>
+                <a:spcPct val="0"/>
+              </a:spcBef>
+              <a:spcAft>
+                <a:spcPct val="0"/>
+              </a:spcAft>
+              <a:buClrTx/>
+              <a:buSzTx/>
+              <a:buFontTx/>
+              <a:buNone/>
+              <a:tabLst/>
+            </a:pPr>
+            <a:r>
+              <a:rPr kumimoji="0" lang="en-US" altLang="en-US" sz="1200" b="0" i="0" u="none" strike="noStrike" cap="none" normalizeH="0" baseline="0" dirty="0">
+                <a:ln>
+                  <a:noFill/>
+                </a:ln>
+                <a:effectLst/>
+                <a:latin typeface="Calibri" panose="020F0502020204030204" pitchFamily="34" charset="0"/>
+                <a:ea typeface="Calibri" panose="020F0502020204030204" pitchFamily="34" charset="0"/>
+                <a:cs typeface="Times New Roman" panose="02020603050405020304" pitchFamily="18" charset="0"/>
+              </a:rPr>
+              <a:t>User Input</a:t>
+            </a:r>
+            <a:endParaRPr kumimoji="0" lang="en-US" altLang="en-US" sz="1200" b="0" i="0" u="none" strike="noStrike" cap="none" normalizeH="0" baseline="0" dirty="0">
+              <a:ln>
+                <a:noFill/>
+              </a:ln>
+              <a:effectLst/>
+              <a:latin typeface="Arial" panose="020B0604020202020204" pitchFamily="34" charset="0"/>
+            </a:endParaRPr>
+          </a:p>
+        </p:txBody>
+      </p:sp>
+      <p:sp>
+        <p:nvSpPr>
+          <p:cNvPr id="3" name="Rectangle 2">
+            <a:extLst>
+              <a:ext uri="{FF2B5EF4-FFF2-40B4-BE49-F238E27FC236}">
+                <a16:creationId xmlns:a16="http://schemas.microsoft.com/office/drawing/2014/main" id="{5214F497-AAC9-4061-884A-A286B102BEF1}"/>
+              </a:ext>
+            </a:extLst>
+          </p:cNvPr>
+          <p:cNvSpPr>
+            <a:spLocks noChangeArrowheads="1"/>
+          </p:cNvSpPr>
+          <p:nvPr/>
+        </p:nvSpPr>
+        <p:spPr bwMode="auto">
+          <a:xfrm>
+            <a:off x="2582334" y="667388"/>
+            <a:ext cx="1570038" cy="930275"/>
+          </a:xfrm>
+          <a:prstGeom prst="rect">
+            <a:avLst/>
+          </a:prstGeom>
+          <a:solidFill>
+            <a:schemeClr val="tx2">
+              <a:lumMod val="20000"/>
+              <a:lumOff val="80000"/>
+            </a:schemeClr>
+          </a:solidFill>
+          <a:ln w="12700">
+            <a:solidFill>
+              <a:srgbClr val="1F3763"/>
+            </a:solidFill>
+            <a:miter lim="800000"/>
+            <a:headEnd/>
+            <a:tailEnd/>
+          </a:ln>
+        </p:spPr>
+        <p:txBody>
+          <a:bodyPr vert="horz" wrap="square" lIns="91440" tIns="45720" rIns="91440" bIns="45720" numCol="1" anchor="ctr" anchorCtr="0" compatLnSpc="1">
+            <a:prstTxWarp prst="textNoShape">
+              <a:avLst/>
+            </a:prstTxWarp>
+          </a:bodyPr>
+          <a:lstStyle/>
+          <a:p>
+            <a:pPr marL="0" marR="0" lvl="0" indent="0" algn="l" defTabSz="914400" rtl="0" eaLnBrk="0" fontAlgn="base" latinLnBrk="0" hangingPunct="0">
+              <a:lnSpc>
+                <a:spcPct val="100000"/>
+              </a:lnSpc>
+              <a:spcBef>
+                <a:spcPct val="0"/>
+              </a:spcBef>
+              <a:spcAft>
+                <a:spcPct val="0"/>
+              </a:spcAft>
+              <a:buClrTx/>
+              <a:buSzTx/>
+              <a:tabLst/>
+            </a:pPr>
+            <a:r>
+              <a:rPr kumimoji="0" lang="en-US" altLang="en-US" sz="1100" b="0" i="0" u="none" strike="noStrike" cap="none" normalizeH="0" baseline="0" dirty="0">
+                <a:ln>
+                  <a:noFill/>
+                </a:ln>
+                <a:solidFill>
+                  <a:schemeClr val="tx1"/>
+                </a:solidFill>
+                <a:effectLst/>
+                <a:latin typeface="Calibri" panose="020F0502020204030204" pitchFamily="34" charset="0"/>
+                <a:ea typeface="Calibri" panose="020F0502020204030204" pitchFamily="34" charset="0"/>
+                <a:cs typeface="Times New Roman" panose="02020603050405020304" pitchFamily="18" charset="0"/>
+              </a:rPr>
+              <a:t>1) New User</a:t>
+            </a:r>
+            <a:endParaRPr kumimoji="0" lang="en-US" altLang="en-US" sz="600" b="0" i="0" u="none" strike="noStrike" cap="none" normalizeH="0" baseline="0" dirty="0">
+              <a:ln>
+                <a:noFill/>
+              </a:ln>
+              <a:solidFill>
+                <a:schemeClr val="tx1"/>
+              </a:solidFill>
+              <a:effectLst/>
+            </a:endParaRPr>
+          </a:p>
+          <a:p>
+            <a:pPr marL="0" marR="0" lvl="0" indent="0" algn="l" defTabSz="914400" rtl="0" eaLnBrk="0" fontAlgn="base" latinLnBrk="0" hangingPunct="0">
+              <a:lnSpc>
+                <a:spcPct val="100000"/>
+              </a:lnSpc>
+              <a:spcBef>
+                <a:spcPct val="0"/>
+              </a:spcBef>
+              <a:spcAft>
+                <a:spcPct val="0"/>
+              </a:spcAft>
+              <a:buClrTx/>
+              <a:buSzTx/>
+              <a:tabLst/>
+            </a:pPr>
+            <a:r>
+              <a:rPr kumimoji="0" lang="en-US" altLang="en-US" sz="1100" b="0" i="0" u="none" strike="noStrike" cap="none" normalizeH="0" baseline="0" dirty="0">
+                <a:ln>
+                  <a:noFill/>
+                </a:ln>
+                <a:solidFill>
+                  <a:schemeClr val="tx1"/>
+                </a:solidFill>
+                <a:effectLst/>
+                <a:latin typeface="Calibri" panose="020F0502020204030204" pitchFamily="34" charset="0"/>
+                <a:ea typeface="Calibri" panose="020F0502020204030204" pitchFamily="34" charset="0"/>
+                <a:cs typeface="Times New Roman" panose="02020603050405020304" pitchFamily="18" charset="0"/>
+              </a:rPr>
+              <a:t>2) Existing User</a:t>
+            </a:r>
+            <a:endParaRPr kumimoji="0" lang="en-US" altLang="en-US" sz="1800" b="0" i="0" u="none" strike="noStrike" cap="none" normalizeH="0" baseline="0" dirty="0">
+              <a:ln>
+                <a:noFill/>
+              </a:ln>
+              <a:solidFill>
+                <a:schemeClr val="tx1"/>
+              </a:solidFill>
+              <a:effectLst/>
+              <a:latin typeface="Arial" panose="020B0604020202020204" pitchFamily="34" charset="0"/>
+            </a:endParaRPr>
+          </a:p>
+        </p:txBody>
+      </p:sp>
+      <p:sp>
+        <p:nvSpPr>
+          <p:cNvPr id="4" name="Rectangle 5">
+            <a:extLst>
+              <a:ext uri="{FF2B5EF4-FFF2-40B4-BE49-F238E27FC236}">
+                <a16:creationId xmlns:a16="http://schemas.microsoft.com/office/drawing/2014/main" id="{D0BAB784-146D-49FB-9EE0-3299044D7045}"/>
+              </a:ext>
+            </a:extLst>
+          </p:cNvPr>
+          <p:cNvSpPr>
+            <a:spLocks noChangeArrowheads="1"/>
+          </p:cNvSpPr>
+          <p:nvPr/>
+        </p:nvSpPr>
+        <p:spPr bwMode="auto">
+          <a:xfrm>
+            <a:off x="3874558" y="3076363"/>
+            <a:ext cx="2794531" cy="1495637"/>
+          </a:xfrm>
+          <a:prstGeom prst="rect">
+            <a:avLst/>
+          </a:prstGeom>
+          <a:solidFill>
+            <a:schemeClr val="tx2">
+              <a:lumMod val="20000"/>
+              <a:lumOff val="80000"/>
+            </a:schemeClr>
+          </a:solidFill>
+          <a:ln w="12700">
+            <a:solidFill>
+              <a:srgbClr val="1F3763"/>
+            </a:solidFill>
+            <a:miter lim="800000"/>
+            <a:headEnd/>
+            <a:tailEnd/>
+          </a:ln>
+        </p:spPr>
+        <p:txBody>
+          <a:bodyPr vert="horz" wrap="square" lIns="91440" tIns="45720" rIns="91440" bIns="45720" numCol="1" anchor="ctr" anchorCtr="0" compatLnSpc="1">
+            <a:prstTxWarp prst="textNoShape">
+              <a:avLst/>
+            </a:prstTxWarp>
+          </a:bodyPr>
+          <a:lstStyle/>
+          <a:p>
+            <a:pPr marL="0" marR="0" lvl="0" indent="0" algn="l" defTabSz="914400" rtl="0" eaLnBrk="0" fontAlgn="base" latinLnBrk="0" hangingPunct="0">
+              <a:lnSpc>
+                <a:spcPct val="100000"/>
+              </a:lnSpc>
+              <a:spcBef>
+                <a:spcPct val="0"/>
+              </a:spcBef>
+              <a:spcAft>
+                <a:spcPct val="0"/>
+              </a:spcAft>
+              <a:buClrTx/>
+              <a:buSzTx/>
+              <a:buFontTx/>
+              <a:buNone/>
+              <a:tabLst/>
+            </a:pPr>
+            <a:r>
+              <a:rPr kumimoji="0" lang="en-US" altLang="en-US" sz="1100" b="1" i="0" u="sng" strike="noStrike" cap="none" normalizeH="0" baseline="0" dirty="0">
+                <a:ln>
+                  <a:noFill/>
+                </a:ln>
+                <a:solidFill>
+                  <a:schemeClr val="tx1"/>
+                </a:solidFill>
+                <a:effectLst/>
+                <a:latin typeface="Calibri" panose="020F0502020204030204" pitchFamily="34" charset="0"/>
+                <a:ea typeface="Calibri" panose="020F0502020204030204" pitchFamily="34" charset="0"/>
+                <a:cs typeface="Times New Roman" panose="02020603050405020304" pitchFamily="18" charset="0"/>
+              </a:rPr>
+              <a:t>Enter Area of Interest</a:t>
+            </a:r>
+            <a:endParaRPr kumimoji="0" lang="en-US" altLang="en-US" sz="600" b="0" i="0" u="none" strike="noStrike" cap="none" normalizeH="0" baseline="0" dirty="0">
+              <a:ln>
+                <a:noFill/>
+              </a:ln>
+              <a:solidFill>
+                <a:schemeClr val="tx1"/>
+              </a:solidFill>
+              <a:effectLst/>
+            </a:endParaRPr>
+          </a:p>
+          <a:p>
+            <a:pPr marL="0" marR="0" lvl="0" indent="0" algn="l" defTabSz="914400" rtl="0" eaLnBrk="0" fontAlgn="base" latinLnBrk="0" hangingPunct="0">
+              <a:lnSpc>
+                <a:spcPct val="100000"/>
+              </a:lnSpc>
+              <a:spcBef>
+                <a:spcPct val="0"/>
+              </a:spcBef>
+              <a:spcAft>
+                <a:spcPct val="0"/>
+              </a:spcAft>
+              <a:buClrTx/>
+              <a:buSzTx/>
+              <a:buFontTx/>
+              <a:buNone/>
+              <a:tabLst/>
+            </a:pPr>
+            <a:endParaRPr kumimoji="0" lang="en-US" altLang="en-US" sz="1100" b="0" i="0" u="none" strike="noStrike" cap="none" normalizeH="0" baseline="0" dirty="0">
+              <a:ln>
+                <a:noFill/>
+              </a:ln>
+              <a:solidFill>
+                <a:schemeClr val="tx1"/>
+              </a:solidFill>
+              <a:effectLst/>
+              <a:latin typeface="Calibri" panose="020F0502020204030204" pitchFamily="34" charset="0"/>
+              <a:ea typeface="Calibri" panose="020F0502020204030204" pitchFamily="34" charset="0"/>
+              <a:cs typeface="Times New Roman" panose="02020603050405020304" pitchFamily="18" charset="0"/>
+            </a:endParaRPr>
+          </a:p>
+          <a:p>
+            <a:pPr marL="0" marR="0" lvl="0" indent="0" algn="l" defTabSz="914400" rtl="0" eaLnBrk="0" fontAlgn="base" latinLnBrk="0" hangingPunct="0">
+              <a:lnSpc>
+                <a:spcPct val="100000"/>
+              </a:lnSpc>
+              <a:spcBef>
+                <a:spcPct val="0"/>
+              </a:spcBef>
+              <a:spcAft>
+                <a:spcPct val="0"/>
+              </a:spcAft>
+              <a:buClrTx/>
+              <a:buSzTx/>
+              <a:buFontTx/>
+              <a:buNone/>
+              <a:tabLst/>
+            </a:pPr>
+            <a:r>
+              <a:rPr kumimoji="0" lang="en-US" altLang="en-US" sz="1100" b="0" i="0" u="none" strike="noStrike" cap="none" normalizeH="0" baseline="0" dirty="0">
+                <a:ln>
+                  <a:noFill/>
+                </a:ln>
+                <a:solidFill>
+                  <a:schemeClr val="tx1"/>
+                </a:solidFill>
+                <a:effectLst/>
+                <a:latin typeface="Calibri" panose="020F0502020204030204" pitchFamily="34" charset="0"/>
+                <a:ea typeface="Calibri" panose="020F0502020204030204" pitchFamily="34" charset="0"/>
+                <a:cs typeface="Times New Roman" panose="02020603050405020304" pitchFamily="18" charset="0"/>
+              </a:rPr>
+              <a:t>1) Engineering</a:t>
+            </a:r>
+            <a:endParaRPr kumimoji="0" lang="en-US" altLang="en-US" sz="600" b="0" i="0" u="none" strike="noStrike" cap="none" normalizeH="0" baseline="0" dirty="0">
+              <a:ln>
+                <a:noFill/>
+              </a:ln>
+              <a:solidFill>
+                <a:schemeClr val="tx1"/>
+              </a:solidFill>
+              <a:effectLst/>
+            </a:endParaRPr>
+          </a:p>
+          <a:p>
+            <a:pPr marL="0" marR="0" lvl="0" indent="0" algn="l" defTabSz="914400" rtl="0" eaLnBrk="0" fontAlgn="base" latinLnBrk="0" hangingPunct="0">
+              <a:lnSpc>
+                <a:spcPct val="100000"/>
+              </a:lnSpc>
+              <a:spcBef>
+                <a:spcPct val="0"/>
+              </a:spcBef>
+              <a:spcAft>
+                <a:spcPct val="0"/>
+              </a:spcAft>
+              <a:buClrTx/>
+              <a:buSzTx/>
+              <a:buFontTx/>
+              <a:buNone/>
+              <a:tabLst/>
+            </a:pPr>
+            <a:r>
+              <a:rPr kumimoji="0" lang="en-US" altLang="en-US" sz="1100" b="0" i="0" u="none" strike="noStrike" cap="none" normalizeH="0" baseline="0" dirty="0">
+                <a:ln>
+                  <a:noFill/>
+                </a:ln>
+                <a:solidFill>
+                  <a:schemeClr val="tx1"/>
+                </a:solidFill>
+                <a:effectLst/>
+                <a:latin typeface="Calibri" panose="020F0502020204030204" pitchFamily="34" charset="0"/>
+                <a:ea typeface="Calibri" panose="020F0502020204030204" pitchFamily="34" charset="0"/>
+                <a:cs typeface="Times New Roman" panose="02020603050405020304" pitchFamily="18" charset="0"/>
+              </a:rPr>
+              <a:t>2) Banking</a:t>
+            </a:r>
+            <a:endParaRPr kumimoji="0" lang="en-US" altLang="en-US" sz="600" b="0" i="0" u="none" strike="noStrike" cap="none" normalizeH="0" baseline="0" dirty="0">
+              <a:ln>
+                <a:noFill/>
+              </a:ln>
+              <a:solidFill>
+                <a:schemeClr val="tx1"/>
+              </a:solidFill>
+              <a:effectLst/>
+            </a:endParaRPr>
+          </a:p>
+          <a:p>
+            <a:pPr marL="0" marR="0" lvl="0" indent="0" algn="l" defTabSz="914400" rtl="0" eaLnBrk="0" fontAlgn="base" latinLnBrk="0" hangingPunct="0">
+              <a:lnSpc>
+                <a:spcPct val="100000"/>
+              </a:lnSpc>
+              <a:spcBef>
+                <a:spcPct val="0"/>
+              </a:spcBef>
+              <a:spcAft>
+                <a:spcPct val="0"/>
+              </a:spcAft>
+              <a:buClrTx/>
+              <a:buSzTx/>
+              <a:buFontTx/>
+              <a:buNone/>
+              <a:tabLst/>
+            </a:pPr>
+            <a:r>
+              <a:rPr kumimoji="0" lang="en-US" altLang="en-US" sz="1100" b="0" i="0" u="none" strike="noStrike" cap="none" normalizeH="0" baseline="0" dirty="0">
+                <a:ln>
+                  <a:noFill/>
+                </a:ln>
+                <a:solidFill>
+                  <a:schemeClr val="tx1"/>
+                </a:solidFill>
+                <a:effectLst/>
+                <a:latin typeface="Calibri" panose="020F0502020204030204" pitchFamily="34" charset="0"/>
+                <a:ea typeface="Calibri" panose="020F0502020204030204" pitchFamily="34" charset="0"/>
+                <a:cs typeface="Times New Roman" panose="02020603050405020304" pitchFamily="18" charset="0"/>
+              </a:rPr>
+              <a:t>3) Medical</a:t>
+            </a:r>
+            <a:endParaRPr kumimoji="0" lang="en-US" altLang="en-US" sz="600" b="0" i="0" u="none" strike="noStrike" cap="none" normalizeH="0" baseline="0" dirty="0">
+              <a:ln>
+                <a:noFill/>
+              </a:ln>
+              <a:solidFill>
+                <a:schemeClr val="tx1"/>
+              </a:solidFill>
+              <a:effectLst/>
+            </a:endParaRPr>
+          </a:p>
+          <a:p>
+            <a:pPr marL="0" marR="0" lvl="0" indent="0" algn="l" defTabSz="914400" rtl="0" eaLnBrk="0" fontAlgn="base" latinLnBrk="0" hangingPunct="0">
+              <a:lnSpc>
+                <a:spcPct val="100000"/>
+              </a:lnSpc>
+              <a:spcBef>
+                <a:spcPct val="0"/>
+              </a:spcBef>
+              <a:spcAft>
+                <a:spcPct val="0"/>
+              </a:spcAft>
+              <a:buClrTx/>
+              <a:buSzTx/>
+              <a:buFontTx/>
+              <a:buNone/>
+              <a:tabLst/>
+            </a:pPr>
+            <a:r>
+              <a:rPr kumimoji="0" lang="en-US" altLang="en-US" sz="1100" b="0" i="0" u="none" strike="noStrike" cap="none" normalizeH="0" baseline="0" dirty="0">
+                <a:ln>
+                  <a:noFill/>
+                </a:ln>
+                <a:solidFill>
+                  <a:schemeClr val="tx1"/>
+                </a:solidFill>
+                <a:effectLst/>
+                <a:latin typeface="Calibri" panose="020F0502020204030204" pitchFamily="34" charset="0"/>
+                <a:ea typeface="Calibri" panose="020F0502020204030204" pitchFamily="34" charset="0"/>
+                <a:cs typeface="Times New Roman" panose="02020603050405020304" pitchFamily="18" charset="0"/>
+              </a:rPr>
+              <a:t>4) Railway Job</a:t>
+            </a:r>
+            <a:endParaRPr kumimoji="0" lang="en-US" altLang="en-US" sz="600" b="0" i="0" u="none" strike="noStrike" cap="none" normalizeH="0" baseline="0" dirty="0">
+              <a:ln>
+                <a:noFill/>
+              </a:ln>
+              <a:solidFill>
+                <a:schemeClr val="tx1"/>
+              </a:solidFill>
+              <a:effectLst/>
+            </a:endParaRPr>
+          </a:p>
+          <a:p>
+            <a:pPr marL="0" marR="0" lvl="0" indent="0" algn="l" defTabSz="914400" rtl="0" eaLnBrk="0" fontAlgn="base" latinLnBrk="0" hangingPunct="0">
+              <a:lnSpc>
+                <a:spcPct val="100000"/>
+              </a:lnSpc>
+              <a:spcBef>
+                <a:spcPct val="0"/>
+              </a:spcBef>
+              <a:spcAft>
+                <a:spcPct val="0"/>
+              </a:spcAft>
+              <a:buClrTx/>
+              <a:buSzTx/>
+              <a:buFontTx/>
+              <a:buNone/>
+              <a:tabLst/>
+            </a:pPr>
+            <a:r>
+              <a:rPr kumimoji="0" lang="en-US" altLang="en-US" sz="1100" b="0" i="0" u="none" strike="noStrike" cap="none" normalizeH="0" baseline="0" dirty="0">
+                <a:ln>
+                  <a:noFill/>
+                </a:ln>
+                <a:solidFill>
+                  <a:schemeClr val="tx1"/>
+                </a:solidFill>
+                <a:effectLst/>
+                <a:latin typeface="Calibri" panose="020F0502020204030204" pitchFamily="34" charset="0"/>
+                <a:ea typeface="Calibri" panose="020F0502020204030204" pitchFamily="34" charset="0"/>
+                <a:cs typeface="Times New Roman" panose="02020603050405020304" pitchFamily="18" charset="0"/>
+              </a:rPr>
+              <a:t>5) SSC</a:t>
+            </a:r>
+            <a:endParaRPr kumimoji="0" lang="en-US" altLang="en-US" sz="600" b="0" i="0" u="none" strike="noStrike" cap="none" normalizeH="0" baseline="0" dirty="0">
+              <a:ln>
+                <a:noFill/>
+              </a:ln>
+              <a:solidFill>
+                <a:schemeClr val="tx1"/>
+              </a:solidFill>
+              <a:effectLst/>
+            </a:endParaRPr>
+          </a:p>
+          <a:p>
+            <a:pPr marL="0" marR="0" lvl="0" indent="0" algn="l" defTabSz="914400" rtl="0" eaLnBrk="0" fontAlgn="base" latinLnBrk="0" hangingPunct="0">
+              <a:lnSpc>
+                <a:spcPct val="100000"/>
+              </a:lnSpc>
+              <a:spcBef>
+                <a:spcPct val="0"/>
+              </a:spcBef>
+              <a:spcAft>
+                <a:spcPct val="0"/>
+              </a:spcAft>
+              <a:buClrTx/>
+              <a:buSzTx/>
+              <a:buFontTx/>
+              <a:buNone/>
+              <a:tabLst/>
+            </a:pPr>
+            <a:r>
+              <a:rPr kumimoji="0" lang="en-US" altLang="en-US" sz="1100" b="0" i="0" u="none" strike="noStrike" cap="none" normalizeH="0" baseline="0" dirty="0">
+                <a:ln>
+                  <a:noFill/>
+                </a:ln>
+                <a:solidFill>
+                  <a:schemeClr val="tx1"/>
+                </a:solidFill>
+                <a:effectLst/>
+                <a:latin typeface="Calibri" panose="020F0502020204030204" pitchFamily="34" charset="0"/>
+                <a:ea typeface="Calibri" panose="020F0502020204030204" pitchFamily="34" charset="0"/>
+                <a:cs typeface="Times New Roman" panose="02020603050405020304" pitchFamily="18" charset="0"/>
+              </a:rPr>
+              <a:t>6) UPSC</a:t>
+            </a:r>
+            <a:endParaRPr kumimoji="0" lang="en-US" altLang="en-US" sz="1800" b="0" i="0" u="none" strike="noStrike" cap="none" normalizeH="0" baseline="0" dirty="0">
+              <a:ln>
+                <a:noFill/>
+              </a:ln>
+              <a:solidFill>
+                <a:schemeClr val="tx1"/>
+              </a:solidFill>
+              <a:effectLst/>
+              <a:latin typeface="Arial" panose="020B0604020202020204" pitchFamily="34" charset="0"/>
+            </a:endParaRPr>
+          </a:p>
+        </p:txBody>
+      </p:sp>
+      <p:sp>
+        <p:nvSpPr>
+          <p:cNvPr id="6" name="Rectangle 6">
+            <a:extLst>
+              <a:ext uri="{FF2B5EF4-FFF2-40B4-BE49-F238E27FC236}">
+                <a16:creationId xmlns:a16="http://schemas.microsoft.com/office/drawing/2014/main" id="{6EADF1A2-DFF2-4003-BCBE-672EC5532064}"/>
+              </a:ext>
+            </a:extLst>
+          </p:cNvPr>
+          <p:cNvSpPr>
+            <a:spLocks noChangeArrowheads="1"/>
+          </p:cNvSpPr>
+          <p:nvPr/>
+        </p:nvSpPr>
+        <p:spPr bwMode="auto">
+          <a:xfrm>
+            <a:off x="4649789" y="667349"/>
+            <a:ext cx="2019300" cy="2019300"/>
+          </a:xfrm>
+          <a:prstGeom prst="rect">
+            <a:avLst/>
+          </a:prstGeom>
+          <a:solidFill>
+            <a:schemeClr val="tx2">
+              <a:lumMod val="20000"/>
+              <a:lumOff val="80000"/>
+            </a:schemeClr>
+          </a:solidFill>
+          <a:ln w="12700">
+            <a:solidFill>
+              <a:srgbClr val="1F3763"/>
+            </a:solidFill>
+            <a:miter lim="800000"/>
+            <a:headEnd/>
+            <a:tailEnd/>
+          </a:ln>
+        </p:spPr>
+        <p:txBody>
+          <a:bodyPr vert="horz" wrap="square" lIns="91440" tIns="45720" rIns="91440" bIns="45720" numCol="1" anchor="ctr" anchorCtr="0" compatLnSpc="1">
+            <a:prstTxWarp prst="textNoShape">
+              <a:avLst/>
+            </a:prstTxWarp>
+          </a:bodyPr>
+          <a:lstStyle/>
+          <a:p>
+            <a:pPr marL="0" marR="0" lvl="0" indent="0" algn="l" defTabSz="914400" rtl="0" eaLnBrk="0" fontAlgn="base" latinLnBrk="0" hangingPunct="0">
+              <a:lnSpc>
+                <a:spcPct val="100000"/>
+              </a:lnSpc>
+              <a:spcBef>
+                <a:spcPct val="0"/>
+              </a:spcBef>
+              <a:spcAft>
+                <a:spcPct val="0"/>
+              </a:spcAft>
+              <a:buClrTx/>
+              <a:buSzTx/>
+              <a:buFontTx/>
+              <a:buNone/>
+              <a:tabLst/>
+            </a:pPr>
+            <a:r>
+              <a:rPr kumimoji="0" lang="en-US" altLang="en-US" sz="1100" b="1" i="0" u="sng" strike="noStrike" cap="none" normalizeH="0" baseline="0" dirty="0">
+                <a:ln>
+                  <a:noFill/>
+                </a:ln>
+                <a:solidFill>
+                  <a:schemeClr val="tx1"/>
+                </a:solidFill>
+                <a:effectLst/>
+                <a:latin typeface="Calibri" panose="020F0502020204030204" pitchFamily="34" charset="0"/>
+                <a:ea typeface="Calibri" panose="020F0502020204030204" pitchFamily="34" charset="0"/>
+                <a:cs typeface="Times New Roman" panose="02020603050405020304" pitchFamily="18" charset="0"/>
+              </a:rPr>
+              <a:t>Entering Details for a </a:t>
+            </a:r>
+            <a:r>
+              <a:rPr kumimoji="0" lang="en-US" altLang="en-US" sz="1100" b="1" u="sng" strike="noStrike" cap="none" normalizeH="0" baseline="0" dirty="0">
+                <a:ln>
+                  <a:noFill/>
+                </a:ln>
+                <a:solidFill>
+                  <a:schemeClr val="tx1"/>
+                </a:solidFill>
+                <a:effectLst/>
+                <a:latin typeface="Calibri" panose="020F0502020204030204" pitchFamily="34" charset="0"/>
+                <a:ea typeface="Calibri" panose="020F0502020204030204" pitchFamily="34" charset="0"/>
+                <a:cs typeface="Times New Roman" panose="02020603050405020304" pitchFamily="18" charset="0"/>
+              </a:rPr>
+              <a:t>New User</a:t>
+            </a:r>
+            <a:endParaRPr kumimoji="0" lang="en-US" altLang="en-US" sz="600" b="0" u="none" strike="noStrike" cap="none" normalizeH="0" baseline="0" dirty="0">
+              <a:ln>
+                <a:noFill/>
+              </a:ln>
+              <a:solidFill>
+                <a:schemeClr val="tx1"/>
+              </a:solidFill>
+              <a:effectLst/>
+            </a:endParaRPr>
+          </a:p>
+          <a:p>
+            <a:pPr marL="0" marR="0" lvl="0" indent="0" algn="l" defTabSz="914400" rtl="0" eaLnBrk="0" fontAlgn="base" latinLnBrk="0" hangingPunct="0">
+              <a:lnSpc>
+                <a:spcPct val="100000"/>
+              </a:lnSpc>
+              <a:spcBef>
+                <a:spcPct val="0"/>
+              </a:spcBef>
+              <a:spcAft>
+                <a:spcPct val="0"/>
+              </a:spcAft>
+              <a:buClrTx/>
+              <a:buSzTx/>
+              <a:buFontTx/>
+              <a:buNone/>
+              <a:tabLst/>
+            </a:pPr>
+            <a:endParaRPr kumimoji="0" lang="en-US" altLang="en-US" sz="1100" b="0" i="0" u="none" strike="noStrike" cap="none" normalizeH="0" baseline="0" dirty="0">
+              <a:ln>
+                <a:noFill/>
+              </a:ln>
+              <a:solidFill>
+                <a:schemeClr val="tx1"/>
+              </a:solidFill>
+              <a:effectLst/>
+              <a:latin typeface="Calibri" panose="020F0502020204030204" pitchFamily="34" charset="0"/>
+              <a:ea typeface="Calibri" panose="020F0502020204030204" pitchFamily="34" charset="0"/>
+              <a:cs typeface="Times New Roman" panose="02020603050405020304" pitchFamily="18" charset="0"/>
+            </a:endParaRPr>
+          </a:p>
+          <a:p>
+            <a:pPr marL="0" marR="0" lvl="0" indent="0" algn="l" defTabSz="914400" rtl="0" eaLnBrk="0" fontAlgn="base" latinLnBrk="0" hangingPunct="0">
+              <a:lnSpc>
+                <a:spcPct val="100000"/>
+              </a:lnSpc>
+              <a:spcBef>
+                <a:spcPct val="0"/>
+              </a:spcBef>
+              <a:spcAft>
+                <a:spcPct val="0"/>
+              </a:spcAft>
+              <a:buClrTx/>
+              <a:buSzTx/>
+              <a:buFontTx/>
+              <a:buNone/>
+              <a:tabLst/>
+            </a:pPr>
+            <a:r>
+              <a:rPr kumimoji="0" lang="en-US" altLang="en-US" sz="1100" b="0" i="0" u="none" strike="noStrike" cap="none" normalizeH="0" baseline="0" dirty="0">
+                <a:ln>
+                  <a:noFill/>
+                </a:ln>
+                <a:solidFill>
+                  <a:schemeClr val="tx1"/>
+                </a:solidFill>
+                <a:effectLst/>
+                <a:latin typeface="Calibri" panose="020F0502020204030204" pitchFamily="34" charset="0"/>
+                <a:ea typeface="Calibri" panose="020F0502020204030204" pitchFamily="34" charset="0"/>
+                <a:cs typeface="Times New Roman" panose="02020603050405020304" pitchFamily="18" charset="0"/>
+              </a:rPr>
+              <a:t>1) Enter First Name</a:t>
+            </a:r>
+            <a:endParaRPr kumimoji="0" lang="en-US" altLang="en-US" sz="600" b="0" i="0" u="none" strike="noStrike" cap="none" normalizeH="0" baseline="0" dirty="0">
+              <a:ln>
+                <a:noFill/>
+              </a:ln>
+              <a:solidFill>
+                <a:schemeClr val="tx1"/>
+              </a:solidFill>
+              <a:effectLst/>
+            </a:endParaRPr>
+          </a:p>
+          <a:p>
+            <a:pPr marL="0" marR="0" lvl="0" indent="0" algn="l" defTabSz="914400" rtl="0" eaLnBrk="0" fontAlgn="base" latinLnBrk="0" hangingPunct="0">
+              <a:lnSpc>
+                <a:spcPct val="100000"/>
+              </a:lnSpc>
+              <a:spcBef>
+                <a:spcPct val="0"/>
+              </a:spcBef>
+              <a:spcAft>
+                <a:spcPct val="0"/>
+              </a:spcAft>
+              <a:buClrTx/>
+              <a:buSzTx/>
+              <a:buFontTx/>
+              <a:buNone/>
+              <a:tabLst/>
+            </a:pPr>
+            <a:r>
+              <a:rPr kumimoji="0" lang="en-US" altLang="en-US" sz="1100" b="0" i="0" u="none" strike="noStrike" cap="none" normalizeH="0" baseline="0" dirty="0">
+                <a:ln>
+                  <a:noFill/>
+                </a:ln>
+                <a:solidFill>
+                  <a:schemeClr val="tx1"/>
+                </a:solidFill>
+                <a:effectLst/>
+                <a:latin typeface="Calibri" panose="020F0502020204030204" pitchFamily="34" charset="0"/>
+                <a:ea typeface="Calibri" panose="020F0502020204030204" pitchFamily="34" charset="0"/>
+                <a:cs typeface="Times New Roman" panose="02020603050405020304" pitchFamily="18" charset="0"/>
+              </a:rPr>
+              <a:t>2) Enter Last Name</a:t>
+            </a:r>
+            <a:endParaRPr kumimoji="0" lang="en-US" altLang="en-US" sz="600" b="0" i="0" u="none" strike="noStrike" cap="none" normalizeH="0" baseline="0" dirty="0">
+              <a:ln>
+                <a:noFill/>
+              </a:ln>
+              <a:solidFill>
+                <a:schemeClr val="tx1"/>
+              </a:solidFill>
+              <a:effectLst/>
+            </a:endParaRPr>
+          </a:p>
+          <a:p>
+            <a:pPr marL="0" marR="0" lvl="0" indent="0" algn="l" defTabSz="914400" rtl="0" eaLnBrk="0" fontAlgn="base" latinLnBrk="0" hangingPunct="0">
+              <a:lnSpc>
+                <a:spcPct val="100000"/>
+              </a:lnSpc>
+              <a:spcBef>
+                <a:spcPct val="0"/>
+              </a:spcBef>
+              <a:spcAft>
+                <a:spcPct val="0"/>
+              </a:spcAft>
+              <a:buClrTx/>
+              <a:buSzTx/>
+              <a:buFontTx/>
+              <a:buNone/>
+              <a:tabLst/>
+            </a:pPr>
+            <a:r>
+              <a:rPr kumimoji="0" lang="en-US" altLang="en-US" sz="1100" b="0" i="0" u="none" strike="noStrike" cap="none" normalizeH="0" baseline="0" dirty="0">
+                <a:ln>
+                  <a:noFill/>
+                </a:ln>
+                <a:solidFill>
+                  <a:schemeClr val="tx1"/>
+                </a:solidFill>
+                <a:effectLst/>
+                <a:latin typeface="Calibri" panose="020F0502020204030204" pitchFamily="34" charset="0"/>
+                <a:ea typeface="Calibri" panose="020F0502020204030204" pitchFamily="34" charset="0"/>
+                <a:cs typeface="Times New Roman" panose="02020603050405020304" pitchFamily="18" charset="0"/>
+              </a:rPr>
+              <a:t>3) Enter Email ID</a:t>
+            </a:r>
+            <a:endParaRPr kumimoji="0" lang="en-US" altLang="en-US" sz="600" b="0" i="0" u="none" strike="noStrike" cap="none" normalizeH="0" baseline="0" dirty="0">
+              <a:ln>
+                <a:noFill/>
+              </a:ln>
+              <a:solidFill>
+                <a:schemeClr val="tx1"/>
+              </a:solidFill>
+              <a:effectLst/>
+            </a:endParaRPr>
+          </a:p>
+          <a:p>
+            <a:pPr marL="0" marR="0" lvl="0" indent="0" algn="l" defTabSz="914400" rtl="0" eaLnBrk="0" fontAlgn="base" latinLnBrk="0" hangingPunct="0">
+              <a:lnSpc>
+                <a:spcPct val="100000"/>
+              </a:lnSpc>
+              <a:spcBef>
+                <a:spcPct val="0"/>
+              </a:spcBef>
+              <a:spcAft>
+                <a:spcPct val="0"/>
+              </a:spcAft>
+              <a:buClrTx/>
+              <a:buSzTx/>
+              <a:buFontTx/>
+              <a:buNone/>
+              <a:tabLst/>
+            </a:pPr>
+            <a:r>
+              <a:rPr kumimoji="0" lang="en-US" altLang="en-US" sz="1100" b="0" i="0" u="none" strike="noStrike" cap="none" normalizeH="0" baseline="0" dirty="0">
+                <a:ln>
+                  <a:noFill/>
+                </a:ln>
+                <a:solidFill>
+                  <a:schemeClr val="tx1"/>
+                </a:solidFill>
+                <a:effectLst/>
+                <a:latin typeface="Calibri" panose="020F0502020204030204" pitchFamily="34" charset="0"/>
+                <a:ea typeface="Calibri" panose="020F0502020204030204" pitchFamily="34" charset="0"/>
+                <a:cs typeface="Times New Roman" panose="02020603050405020304" pitchFamily="18" charset="0"/>
+              </a:rPr>
+              <a:t>4) Enter Mobile Number</a:t>
+            </a:r>
+            <a:endParaRPr kumimoji="0" lang="en-US" altLang="en-US" sz="600" b="0" i="0" u="none" strike="noStrike" cap="none" normalizeH="0" baseline="0" dirty="0">
+              <a:ln>
+                <a:noFill/>
+              </a:ln>
+              <a:solidFill>
+                <a:schemeClr val="tx1"/>
+              </a:solidFill>
+              <a:effectLst/>
+            </a:endParaRPr>
+          </a:p>
+          <a:p>
+            <a:pPr marL="0" marR="0" lvl="0" indent="0" algn="l" defTabSz="914400" rtl="0" eaLnBrk="0" fontAlgn="base" latinLnBrk="0" hangingPunct="0">
+              <a:lnSpc>
+                <a:spcPct val="100000"/>
+              </a:lnSpc>
+              <a:spcBef>
+                <a:spcPct val="0"/>
+              </a:spcBef>
+              <a:spcAft>
+                <a:spcPct val="0"/>
+              </a:spcAft>
+              <a:buClrTx/>
+              <a:buSzTx/>
+              <a:buFontTx/>
+              <a:buNone/>
+              <a:tabLst/>
+            </a:pPr>
+            <a:r>
+              <a:rPr kumimoji="0" lang="en-US" altLang="en-US" sz="1100" b="0" i="0" u="none" strike="noStrike" cap="none" normalizeH="0" baseline="0" dirty="0">
+                <a:ln>
+                  <a:noFill/>
+                </a:ln>
+                <a:solidFill>
+                  <a:schemeClr val="tx1"/>
+                </a:solidFill>
+                <a:effectLst/>
+                <a:latin typeface="Calibri" panose="020F0502020204030204" pitchFamily="34" charset="0"/>
+                <a:ea typeface="Calibri" panose="020F0502020204030204" pitchFamily="34" charset="0"/>
+                <a:cs typeface="Times New Roman" panose="02020603050405020304" pitchFamily="18" charset="0"/>
+              </a:rPr>
+              <a:t>5) Enter Qualification</a:t>
+            </a:r>
+          </a:p>
+          <a:p>
+            <a:pPr marL="0" marR="0" lvl="0" indent="0" algn="l" defTabSz="914400" rtl="0" eaLnBrk="0" fontAlgn="base" latinLnBrk="0" hangingPunct="0">
+              <a:lnSpc>
+                <a:spcPct val="100000"/>
+              </a:lnSpc>
+              <a:spcBef>
+                <a:spcPct val="0"/>
+              </a:spcBef>
+              <a:spcAft>
+                <a:spcPct val="0"/>
+              </a:spcAft>
+              <a:buClrTx/>
+              <a:buSzTx/>
+              <a:buFontTx/>
+              <a:buNone/>
+              <a:tabLst/>
+            </a:pPr>
+            <a:endParaRPr lang="en-US" altLang="en-US" sz="1100" dirty="0">
+              <a:latin typeface="Calibri" panose="020F0502020204030204" pitchFamily="34" charset="0"/>
+              <a:cs typeface="Times New Roman" panose="02020603050405020304" pitchFamily="18" charset="0"/>
+            </a:endParaRPr>
+          </a:p>
+          <a:p>
+            <a:pPr marL="0" marR="0" lvl="0" indent="0" algn="l" defTabSz="914400" rtl="0" eaLnBrk="0" fontAlgn="base" latinLnBrk="0" hangingPunct="0">
+              <a:lnSpc>
+                <a:spcPct val="100000"/>
+              </a:lnSpc>
+              <a:spcBef>
+                <a:spcPct val="0"/>
+              </a:spcBef>
+              <a:spcAft>
+                <a:spcPct val="0"/>
+              </a:spcAft>
+              <a:buClrTx/>
+              <a:buSzTx/>
+              <a:buFontTx/>
+              <a:buNone/>
+              <a:tabLst/>
+            </a:pPr>
+            <a:endParaRPr kumimoji="0" lang="en-US" altLang="en-US" sz="1800" b="0" i="0" u="none" strike="noStrike" cap="none" normalizeH="0" baseline="0" dirty="0">
+              <a:ln>
+                <a:noFill/>
+              </a:ln>
+              <a:solidFill>
+                <a:schemeClr val="tx1"/>
+              </a:solidFill>
+              <a:effectLst/>
+              <a:latin typeface="Arial" panose="020B0604020202020204" pitchFamily="34" charset="0"/>
+            </a:endParaRPr>
+          </a:p>
+        </p:txBody>
+      </p:sp>
+      <p:sp>
+        <p:nvSpPr>
+          <p:cNvPr id="7" name="Rectangle 7">
+            <a:extLst>
+              <a:ext uri="{FF2B5EF4-FFF2-40B4-BE49-F238E27FC236}">
+                <a16:creationId xmlns:a16="http://schemas.microsoft.com/office/drawing/2014/main" id="{D31A5CA3-E9EC-4DC6-85A0-59319AD36C2C}"/>
+              </a:ext>
+            </a:extLst>
+          </p:cNvPr>
+          <p:cNvSpPr>
+            <a:spLocks noChangeArrowheads="1"/>
+          </p:cNvSpPr>
+          <p:nvPr/>
+        </p:nvSpPr>
+        <p:spPr bwMode="auto">
+          <a:xfrm>
+            <a:off x="1431290" y="2686649"/>
+            <a:ext cx="1844675" cy="1885351"/>
+          </a:xfrm>
+          <a:prstGeom prst="rect">
+            <a:avLst/>
+          </a:prstGeom>
+          <a:solidFill>
+            <a:schemeClr val="tx2">
+              <a:lumMod val="20000"/>
+              <a:lumOff val="80000"/>
+            </a:schemeClr>
+          </a:solidFill>
+          <a:ln w="12700">
+            <a:solidFill>
+              <a:srgbClr val="1F3763"/>
+            </a:solidFill>
+            <a:miter lim="800000"/>
+            <a:headEnd/>
+            <a:tailEnd/>
+          </a:ln>
+        </p:spPr>
+        <p:txBody>
+          <a:bodyPr vert="horz" wrap="square" lIns="91440" tIns="45720" rIns="91440" bIns="45720" numCol="1" anchor="ctr" anchorCtr="0" compatLnSpc="1">
+            <a:prstTxWarp prst="textNoShape">
+              <a:avLst/>
+            </a:prstTxWarp>
+          </a:bodyPr>
+          <a:lstStyle/>
+          <a:p>
+            <a:pPr marL="0" marR="0" lvl="0" indent="0" algn="l" defTabSz="914400" rtl="0" eaLnBrk="0" fontAlgn="base" latinLnBrk="0" hangingPunct="0">
+              <a:lnSpc>
+                <a:spcPct val="100000"/>
+              </a:lnSpc>
+              <a:spcBef>
+                <a:spcPct val="0"/>
+              </a:spcBef>
+              <a:spcAft>
+                <a:spcPct val="0"/>
+              </a:spcAft>
+              <a:buClrTx/>
+              <a:buSzTx/>
+              <a:buFontTx/>
+              <a:buNone/>
+              <a:tabLst/>
+            </a:pPr>
+            <a:r>
+              <a:rPr kumimoji="0" lang="en-US" altLang="en-US" sz="1100" b="1" i="0" u="sng" strike="noStrike" cap="none" normalizeH="0" baseline="0" dirty="0">
+                <a:ln>
+                  <a:noFill/>
+                </a:ln>
+                <a:solidFill>
+                  <a:schemeClr val="tx1"/>
+                </a:solidFill>
+                <a:effectLst/>
+                <a:latin typeface="Calibri" panose="020F0502020204030204" pitchFamily="34" charset="0"/>
+                <a:ea typeface="Calibri" panose="020F0502020204030204" pitchFamily="34" charset="0"/>
+                <a:cs typeface="Times New Roman" panose="02020603050405020304" pitchFamily="18" charset="0"/>
+              </a:rPr>
+              <a:t>For Existing User</a:t>
+            </a:r>
+            <a:endParaRPr kumimoji="0" lang="en-US" altLang="en-US" sz="600" b="0" i="0" u="none" strike="noStrike" cap="none" normalizeH="0" baseline="0" dirty="0">
+              <a:ln>
+                <a:noFill/>
+              </a:ln>
+              <a:solidFill>
+                <a:schemeClr val="tx1"/>
+              </a:solidFill>
+              <a:effectLst/>
+            </a:endParaRPr>
+          </a:p>
+          <a:p>
+            <a:pPr marL="0" marR="0" lvl="0" indent="0" algn="l" defTabSz="914400" rtl="0" eaLnBrk="0" fontAlgn="base" latinLnBrk="0" hangingPunct="0">
+              <a:lnSpc>
+                <a:spcPct val="100000"/>
+              </a:lnSpc>
+              <a:spcBef>
+                <a:spcPct val="0"/>
+              </a:spcBef>
+              <a:spcAft>
+                <a:spcPct val="0"/>
+              </a:spcAft>
+              <a:buClrTx/>
+              <a:buSzTx/>
+              <a:buFontTx/>
+              <a:buNone/>
+              <a:tabLst/>
+            </a:pPr>
+            <a:endParaRPr kumimoji="0" lang="en-US" altLang="en-US" sz="1100" b="0" i="0" u="none" strike="noStrike" cap="none" normalizeH="0" baseline="0" dirty="0">
+              <a:ln>
+                <a:noFill/>
+              </a:ln>
+              <a:solidFill>
+                <a:schemeClr val="tx1"/>
+              </a:solidFill>
+              <a:effectLst/>
+              <a:latin typeface="Calibri" panose="020F0502020204030204" pitchFamily="34" charset="0"/>
+              <a:ea typeface="Calibri" panose="020F0502020204030204" pitchFamily="34" charset="0"/>
+              <a:cs typeface="Times New Roman" panose="02020603050405020304" pitchFamily="18" charset="0"/>
+            </a:endParaRPr>
+          </a:p>
+          <a:p>
+            <a:pPr marL="0" marR="0" lvl="0" indent="0" algn="l" defTabSz="914400" rtl="0" eaLnBrk="0" fontAlgn="base" latinLnBrk="0" hangingPunct="0">
+              <a:lnSpc>
+                <a:spcPct val="100000"/>
+              </a:lnSpc>
+              <a:spcBef>
+                <a:spcPct val="0"/>
+              </a:spcBef>
+              <a:spcAft>
+                <a:spcPct val="0"/>
+              </a:spcAft>
+              <a:buClrTx/>
+              <a:buSzTx/>
+              <a:buFontTx/>
+              <a:buNone/>
+              <a:tabLst/>
+            </a:pPr>
+            <a:r>
+              <a:rPr kumimoji="0" lang="en-US" altLang="en-US" sz="1100" b="0" i="0" u="none" strike="noStrike" cap="none" normalizeH="0" baseline="0" dirty="0">
+                <a:ln>
+                  <a:noFill/>
+                </a:ln>
+                <a:solidFill>
+                  <a:schemeClr val="tx1"/>
+                </a:solidFill>
+                <a:effectLst/>
+                <a:latin typeface="Calibri" panose="020F0502020204030204" pitchFamily="34" charset="0"/>
+                <a:ea typeface="Calibri" panose="020F0502020204030204" pitchFamily="34" charset="0"/>
+                <a:cs typeface="Times New Roman" panose="02020603050405020304" pitchFamily="18" charset="0"/>
+              </a:rPr>
+              <a:t>Enter Email ID</a:t>
+            </a:r>
+            <a:endParaRPr kumimoji="0" lang="en-US" altLang="en-US" sz="600" b="0" i="0" u="none" strike="noStrike" cap="none" normalizeH="0" baseline="0" dirty="0">
+              <a:ln>
+                <a:noFill/>
+              </a:ln>
+              <a:solidFill>
+                <a:schemeClr val="tx1"/>
+              </a:solidFill>
+              <a:effectLst/>
+            </a:endParaRPr>
+          </a:p>
+          <a:p>
+            <a:pPr marL="0" marR="0" lvl="0" indent="0" algn="l" defTabSz="914400" rtl="0" eaLnBrk="0" fontAlgn="base" latinLnBrk="0" hangingPunct="0">
+              <a:lnSpc>
+                <a:spcPct val="100000"/>
+              </a:lnSpc>
+              <a:spcBef>
+                <a:spcPct val="0"/>
+              </a:spcBef>
+              <a:spcAft>
+                <a:spcPct val="0"/>
+              </a:spcAft>
+              <a:buClrTx/>
+              <a:buSzTx/>
+              <a:buFontTx/>
+              <a:buNone/>
+              <a:tabLst/>
+            </a:pPr>
+            <a:r>
+              <a:rPr kumimoji="0" lang="en-US" altLang="en-US" sz="1100" b="0" i="0" u="none" strike="noStrike" cap="none" normalizeH="0" baseline="0" dirty="0">
+                <a:ln>
+                  <a:noFill/>
+                </a:ln>
+                <a:solidFill>
+                  <a:schemeClr val="tx1"/>
+                </a:solidFill>
+                <a:effectLst/>
+                <a:latin typeface="Calibri" panose="020F0502020204030204" pitchFamily="34" charset="0"/>
+                <a:ea typeface="Calibri" panose="020F0502020204030204" pitchFamily="34" charset="0"/>
+                <a:cs typeface="Times New Roman" panose="02020603050405020304" pitchFamily="18" charset="0"/>
+              </a:rPr>
+              <a:t>Enter Password</a:t>
+            </a:r>
+            <a:endParaRPr kumimoji="0" lang="en-US" altLang="en-US" sz="600" b="0" i="0" u="none" strike="noStrike" cap="none" normalizeH="0" baseline="0" dirty="0">
+              <a:ln>
+                <a:noFill/>
+              </a:ln>
+              <a:solidFill>
+                <a:schemeClr val="tx1"/>
+              </a:solidFill>
+              <a:effectLst/>
+            </a:endParaRPr>
+          </a:p>
+          <a:p>
+            <a:pPr marL="0" marR="0" lvl="0" indent="0" algn="l" defTabSz="914400" rtl="0" eaLnBrk="0" fontAlgn="base" latinLnBrk="0" hangingPunct="0">
+              <a:lnSpc>
+                <a:spcPct val="100000"/>
+              </a:lnSpc>
+              <a:spcBef>
+                <a:spcPct val="0"/>
+              </a:spcBef>
+              <a:spcAft>
+                <a:spcPct val="0"/>
+              </a:spcAft>
+              <a:buClrTx/>
+              <a:buSzTx/>
+              <a:buFontTx/>
+              <a:buNone/>
+              <a:tabLst/>
+            </a:pPr>
+            <a:r>
+              <a:rPr kumimoji="0" lang="en-US" altLang="en-US" sz="1100" b="0" i="0" u="none" strike="noStrike" cap="none" normalizeH="0" baseline="0" dirty="0">
+                <a:ln>
+                  <a:noFill/>
+                </a:ln>
+                <a:solidFill>
+                  <a:schemeClr val="tx1"/>
+                </a:solidFill>
+                <a:effectLst/>
+                <a:latin typeface="Calibri" panose="020F0502020204030204" pitchFamily="34" charset="0"/>
+                <a:ea typeface="Calibri" panose="020F0502020204030204" pitchFamily="34" charset="0"/>
+                <a:cs typeface="Times New Roman" panose="02020603050405020304" pitchFamily="18" charset="0"/>
+              </a:rPr>
+              <a:t>(Validation)</a:t>
+            </a:r>
+            <a:endParaRPr kumimoji="0" lang="en-US" altLang="en-US" sz="600" b="0" i="0" u="none" strike="noStrike" cap="none" normalizeH="0" baseline="0" dirty="0">
+              <a:ln>
+                <a:noFill/>
+              </a:ln>
+              <a:solidFill>
+                <a:schemeClr val="tx1"/>
+              </a:solidFill>
+              <a:effectLst/>
+            </a:endParaRPr>
+          </a:p>
+          <a:p>
+            <a:pPr marL="0" marR="0" lvl="0" indent="0" algn="l" defTabSz="914400" rtl="0" eaLnBrk="0" fontAlgn="base" latinLnBrk="0" hangingPunct="0">
+              <a:lnSpc>
+                <a:spcPct val="100000"/>
+              </a:lnSpc>
+              <a:spcBef>
+                <a:spcPct val="0"/>
+              </a:spcBef>
+              <a:spcAft>
+                <a:spcPct val="0"/>
+              </a:spcAft>
+              <a:buClrTx/>
+              <a:buSzTx/>
+              <a:buFontTx/>
+              <a:buNone/>
+              <a:tabLst/>
+            </a:pPr>
+            <a:endParaRPr kumimoji="0" lang="en-US" altLang="en-US" sz="1800" b="0" i="0" u="none" strike="noStrike" cap="none" normalizeH="0" baseline="0" dirty="0">
+              <a:ln>
+                <a:noFill/>
+              </a:ln>
+              <a:solidFill>
+                <a:schemeClr val="tx1"/>
+              </a:solidFill>
+              <a:effectLst/>
+              <a:latin typeface="Arial" panose="020B0604020202020204" pitchFamily="34" charset="0"/>
+            </a:endParaRPr>
+          </a:p>
+          <a:p>
+            <a:pPr marL="0" marR="0" lvl="0" indent="0" algn="l" defTabSz="914400" rtl="0" eaLnBrk="0" fontAlgn="base" latinLnBrk="0" hangingPunct="0">
+              <a:lnSpc>
+                <a:spcPct val="100000"/>
+              </a:lnSpc>
+              <a:spcBef>
+                <a:spcPct val="0"/>
+              </a:spcBef>
+              <a:spcAft>
+                <a:spcPct val="0"/>
+              </a:spcAft>
+              <a:buClrTx/>
+              <a:buSzTx/>
+              <a:buFontTx/>
+              <a:buNone/>
+              <a:tabLst/>
+            </a:pPr>
+            <a:endParaRPr lang="en-US" altLang="en-US" sz="1800">
+              <a:latin typeface="Arial" panose="020B0604020202020204" pitchFamily="34" charset="0"/>
+            </a:endParaRPr>
+          </a:p>
+        </p:txBody>
+      </p:sp>
+      <p:cxnSp>
+        <p:nvCxnSpPr>
+          <p:cNvPr id="10" name="Straight Arrow Connector 9">
+            <a:extLst>
+              <a:ext uri="{FF2B5EF4-FFF2-40B4-BE49-F238E27FC236}">
+                <a16:creationId xmlns:a16="http://schemas.microsoft.com/office/drawing/2014/main" id="{FF88DDFC-34FF-41D4-ABC6-ABD91EF0769D}"/>
+              </a:ext>
+            </a:extLst>
+          </p:cNvPr>
+          <p:cNvCxnSpPr/>
+          <p:nvPr/>
+        </p:nvCxnSpPr>
+        <p:spPr>
+          <a:xfrm>
+            <a:off x="3230880" y="6713220"/>
+            <a:ext cx="45085" cy="586740"/>
+          </a:xfrm>
+          <a:prstGeom prst="straightConnector1">
+            <a:avLst/>
+          </a:prstGeom>
+          <a:ln>
+            <a:tailEnd type="triangle"/>
+          </a:ln>
+        </p:spPr>
+        <p:style>
+          <a:lnRef idx="1">
+            <a:schemeClr val="accent1"/>
+          </a:lnRef>
+          <a:fillRef idx="0">
+            <a:schemeClr val="accent1"/>
+          </a:fillRef>
+          <a:effectRef idx="0">
+            <a:schemeClr val="accent1"/>
+          </a:effectRef>
+          <a:fontRef idx="minor">
+            <a:schemeClr val="tx1"/>
+          </a:fontRef>
+        </p:style>
+      </p:cxnSp>
+      <p:cxnSp>
+        <p:nvCxnSpPr>
+          <p:cNvPr id="11" name="Straight Arrow Connector 10">
+            <a:extLst>
+              <a:ext uri="{FF2B5EF4-FFF2-40B4-BE49-F238E27FC236}">
+                <a16:creationId xmlns:a16="http://schemas.microsoft.com/office/drawing/2014/main" id="{11DB4DED-62E5-427E-8315-2AD9747456CD}"/>
+              </a:ext>
+            </a:extLst>
+          </p:cNvPr>
+          <p:cNvCxnSpPr/>
+          <p:nvPr/>
+        </p:nvCxnSpPr>
+        <p:spPr>
+          <a:xfrm flipH="1">
+            <a:off x="4975225" y="6553200"/>
+            <a:ext cx="45085" cy="739140"/>
+          </a:xfrm>
+          <a:prstGeom prst="straightConnector1">
+            <a:avLst/>
+          </a:prstGeom>
+          <a:ln>
+            <a:tailEnd type="triangle"/>
+          </a:ln>
+        </p:spPr>
+        <p:style>
+          <a:lnRef idx="1">
+            <a:schemeClr val="accent1"/>
+          </a:lnRef>
+          <a:fillRef idx="0">
+            <a:schemeClr val="accent1"/>
+          </a:fillRef>
+          <a:effectRef idx="0">
+            <a:schemeClr val="accent1"/>
+          </a:effectRef>
+          <a:fontRef idx="minor">
+            <a:schemeClr val="tx1"/>
+          </a:fontRef>
+        </p:style>
+      </p:cxnSp>
+      <p:sp>
+        <p:nvSpPr>
+          <p:cNvPr id="12" name="Rectangle 10">
+            <a:extLst>
+              <a:ext uri="{FF2B5EF4-FFF2-40B4-BE49-F238E27FC236}">
+                <a16:creationId xmlns:a16="http://schemas.microsoft.com/office/drawing/2014/main" id="{768FCF3E-231A-4F54-99E3-9945F26729DE}"/>
+              </a:ext>
+            </a:extLst>
+          </p:cNvPr>
+          <p:cNvSpPr>
+            <a:spLocks noChangeArrowheads="1"/>
+          </p:cNvSpPr>
+          <p:nvPr/>
+        </p:nvSpPr>
+        <p:spPr bwMode="auto">
+          <a:xfrm>
+            <a:off x="0" y="0"/>
+            <a:ext cx="9144000" cy="457200"/>
+          </a:xfrm>
+          <a:prstGeom prst="rect">
+            <a:avLst/>
+          </a:prstGeom>
+          <a:noFill/>
+          <a:ln>
+            <a:noFill/>
+          </a:ln>
+          <a:effectLst/>
+          <a:extLst>
+            <a:ext uri="{909E8E84-426E-40DD-AFC4-6F175D3DCCD1}">
+              <a14:hiddenFill xmlns:a14="http://schemas.microsoft.com/office/drawing/2010/main">
+                <a:solidFill>
+                  <a:schemeClr val="accent1"/>
+                </a:solidFill>
+              </a14:hiddenFill>
+            </a:ext>
+            <a:ext uri="{91240B29-F687-4F45-9708-019B960494DF}">
+              <a14:hiddenLine xmlns:a14="http://schemas.microsoft.com/office/drawing/2010/main" w="9525">
+                <a:solidFill>
+                  <a:schemeClr val="tx1"/>
+                </a:solidFill>
+                <a:miter lim="800000"/>
+                <a:headEnd/>
+                <a:tailEnd/>
+              </a14:hiddenLine>
+            </a:ext>
+            <a:ext uri="{AF507438-7753-43E0-B8FC-AC1667EBCBE1}">
+              <a14:hiddenEffects xmlns:a14="http://schemas.microsoft.com/office/drawing/2010/main">
+                <a:effectLst>
+                  <a:outerShdw dist="35921" dir="2700000" algn="ctr" rotWithShape="0">
+                    <a:schemeClr val="bg2"/>
+                  </a:outerShdw>
+                </a:effectLst>
+              </a14:hiddenEffects>
+            </a:ext>
+          </a:extLst>
+        </p:spPr>
+        <p:txBody>
+          <a:bodyPr vert="horz" wrap="none" lIns="91440" tIns="45720" rIns="91440" bIns="45720" numCol="1" anchor="ctr" anchorCtr="0" compatLnSpc="1">
+            <a:prstTxWarp prst="textNoShape">
+              <a:avLst/>
+            </a:prstTxWarp>
+            <a:spAutoFit/>
+          </a:bodyPr>
+          <a:lstStyle/>
+          <a:p>
+            <a:endParaRPr lang="en-US"/>
+          </a:p>
+        </p:txBody>
+      </p:sp>
+      <p:sp>
+        <p:nvSpPr>
+          <p:cNvPr id="14" name="Rectangle 13">
+            <a:extLst>
+              <a:ext uri="{FF2B5EF4-FFF2-40B4-BE49-F238E27FC236}">
+                <a16:creationId xmlns:a16="http://schemas.microsoft.com/office/drawing/2014/main" id="{D16AB6A2-F07B-4238-8C1E-0F09E520151B}"/>
+              </a:ext>
+            </a:extLst>
+          </p:cNvPr>
+          <p:cNvSpPr>
+            <a:spLocks noChangeArrowheads="1"/>
+          </p:cNvSpPr>
+          <p:nvPr/>
+        </p:nvSpPr>
+        <p:spPr bwMode="auto">
+          <a:xfrm>
+            <a:off x="7166506" y="2686650"/>
+            <a:ext cx="1570038" cy="1885350"/>
+          </a:xfrm>
+          <a:prstGeom prst="rect">
+            <a:avLst/>
+          </a:prstGeom>
+          <a:solidFill>
+            <a:schemeClr val="tx2">
+              <a:lumMod val="20000"/>
+              <a:lumOff val="80000"/>
+            </a:schemeClr>
+          </a:solidFill>
+          <a:ln w="12700">
+            <a:solidFill>
+              <a:srgbClr val="1F3763"/>
+            </a:solidFill>
+            <a:miter lim="800000"/>
+            <a:headEnd/>
+            <a:tailEnd/>
+          </a:ln>
+        </p:spPr>
+        <p:txBody>
+          <a:bodyPr vert="horz" wrap="square" lIns="91440" tIns="45720" rIns="91440" bIns="45720" numCol="1" anchor="ctr" anchorCtr="0" compatLnSpc="1">
+            <a:prstTxWarp prst="textNoShape">
+              <a:avLst/>
+            </a:prstTxWarp>
+          </a:bodyPr>
+          <a:lstStyle/>
+          <a:p>
+            <a:pPr marL="0" marR="0" lvl="0" indent="0" algn="ctr" defTabSz="914400" rtl="0" eaLnBrk="0" fontAlgn="base" latinLnBrk="0" hangingPunct="0">
+              <a:lnSpc>
+                <a:spcPct val="100000"/>
+              </a:lnSpc>
+              <a:spcBef>
+                <a:spcPct val="0"/>
+              </a:spcBef>
+              <a:spcAft>
+                <a:spcPct val="0"/>
+              </a:spcAft>
+              <a:buClrTx/>
+              <a:buSzTx/>
+              <a:buFontTx/>
+              <a:buNone/>
+              <a:tabLst/>
+            </a:pPr>
+            <a:r>
+              <a:rPr lang="en-US" altLang="en-US" sz="1100" dirty="0">
+                <a:latin typeface="Calibri" panose="020F0502020204030204" pitchFamily="34" charset="0"/>
+                <a:cs typeface="Times New Roman" panose="02020603050405020304" pitchFamily="18" charset="0"/>
+              </a:rPr>
+              <a:t>Details of the Specific Area</a:t>
+            </a:r>
+            <a:endParaRPr kumimoji="0" lang="en-US" altLang="en-US" sz="1800" b="0" i="0" u="none" strike="noStrike" cap="none" normalizeH="0" baseline="0" dirty="0">
+              <a:ln>
+                <a:noFill/>
+              </a:ln>
+              <a:solidFill>
+                <a:schemeClr val="tx1"/>
+              </a:solidFill>
+              <a:effectLst/>
+              <a:latin typeface="Arial" panose="020B0604020202020204" pitchFamily="34" charset="0"/>
+            </a:endParaRPr>
+          </a:p>
+        </p:txBody>
+      </p:sp>
+      <p:cxnSp>
+        <p:nvCxnSpPr>
+          <p:cNvPr id="15" name="Straight Arrow Connector 14">
+            <a:extLst>
+              <a:ext uri="{FF2B5EF4-FFF2-40B4-BE49-F238E27FC236}">
+                <a16:creationId xmlns:a16="http://schemas.microsoft.com/office/drawing/2014/main" id="{7DE7BDD7-A9E6-4813-834A-598E791D16CE}"/>
+              </a:ext>
+            </a:extLst>
+          </p:cNvPr>
+          <p:cNvCxnSpPr>
+            <a:cxnSpLocks/>
+            <a:endCxn id="3" idx="1"/>
+          </p:cNvCxnSpPr>
+          <p:nvPr/>
+        </p:nvCxnSpPr>
+        <p:spPr>
+          <a:xfrm>
+            <a:off x="2171630" y="1127970"/>
+            <a:ext cx="410704" cy="4556"/>
+          </a:xfrm>
+          <a:prstGeom prst="straightConnector1">
+            <a:avLst/>
+          </a:prstGeom>
+          <a:ln>
+            <a:solidFill>
+              <a:schemeClr val="tx1"/>
+            </a:solidFill>
+            <a:tailEnd type="triangle"/>
+          </a:ln>
+        </p:spPr>
+        <p:style>
+          <a:lnRef idx="1">
+            <a:schemeClr val="accent1"/>
+          </a:lnRef>
+          <a:fillRef idx="0">
+            <a:schemeClr val="accent1"/>
+          </a:fillRef>
+          <a:effectRef idx="0">
+            <a:schemeClr val="accent1"/>
+          </a:effectRef>
+          <a:fontRef idx="minor">
+            <a:schemeClr val="tx1"/>
+          </a:fontRef>
+        </p:style>
+      </p:cxnSp>
+      <p:cxnSp>
+        <p:nvCxnSpPr>
+          <p:cNvPr id="16" name="Straight Arrow Connector 15">
+            <a:extLst>
+              <a:ext uri="{FF2B5EF4-FFF2-40B4-BE49-F238E27FC236}">
+                <a16:creationId xmlns:a16="http://schemas.microsoft.com/office/drawing/2014/main" id="{BF6C8EEA-8FF3-4456-8B60-4F65F6F7975B}"/>
+              </a:ext>
+            </a:extLst>
+          </p:cNvPr>
+          <p:cNvCxnSpPr>
+            <a:cxnSpLocks/>
+          </p:cNvCxnSpPr>
+          <p:nvPr/>
+        </p:nvCxnSpPr>
+        <p:spPr>
+          <a:xfrm>
+            <a:off x="4152372" y="1136539"/>
+            <a:ext cx="497417" cy="6460"/>
+          </a:xfrm>
+          <a:prstGeom prst="straightConnector1">
+            <a:avLst/>
+          </a:prstGeom>
+          <a:ln>
+            <a:solidFill>
+              <a:schemeClr val="tx1"/>
+            </a:solidFill>
+            <a:tailEnd type="triangle"/>
+          </a:ln>
+        </p:spPr>
+        <p:style>
+          <a:lnRef idx="1">
+            <a:schemeClr val="accent1"/>
+          </a:lnRef>
+          <a:fillRef idx="0">
+            <a:schemeClr val="accent1"/>
+          </a:fillRef>
+          <a:effectRef idx="0">
+            <a:schemeClr val="accent1"/>
+          </a:effectRef>
+          <a:fontRef idx="minor">
+            <a:schemeClr val="tx1"/>
+          </a:fontRef>
+        </p:style>
+      </p:cxnSp>
+      <p:cxnSp>
+        <p:nvCxnSpPr>
+          <p:cNvPr id="17" name="Straight Arrow Connector 16">
+            <a:extLst>
+              <a:ext uri="{FF2B5EF4-FFF2-40B4-BE49-F238E27FC236}">
+                <a16:creationId xmlns:a16="http://schemas.microsoft.com/office/drawing/2014/main" id="{D2B641DE-3B26-4325-BB13-183E1C60F3A4}"/>
+              </a:ext>
+            </a:extLst>
+          </p:cNvPr>
+          <p:cNvCxnSpPr>
+            <a:cxnSpLocks/>
+          </p:cNvCxnSpPr>
+          <p:nvPr/>
+        </p:nvCxnSpPr>
+        <p:spPr>
+          <a:xfrm>
+            <a:off x="5617235" y="2686649"/>
+            <a:ext cx="0" cy="389714"/>
+          </a:xfrm>
+          <a:prstGeom prst="straightConnector1">
+            <a:avLst/>
+          </a:prstGeom>
+          <a:ln>
+            <a:solidFill>
+              <a:schemeClr val="tx1"/>
+            </a:solidFill>
+            <a:tailEnd type="triangle"/>
+          </a:ln>
+        </p:spPr>
+        <p:style>
+          <a:lnRef idx="1">
+            <a:schemeClr val="accent1"/>
+          </a:lnRef>
+          <a:fillRef idx="0">
+            <a:schemeClr val="accent1"/>
+          </a:fillRef>
+          <a:effectRef idx="0">
+            <a:schemeClr val="accent1"/>
+          </a:effectRef>
+          <a:fontRef idx="minor">
+            <a:schemeClr val="tx1"/>
+          </a:fontRef>
+        </p:style>
+      </p:cxnSp>
+      <p:cxnSp>
+        <p:nvCxnSpPr>
+          <p:cNvPr id="18" name="Straight Arrow Connector 17">
+            <a:extLst>
+              <a:ext uri="{FF2B5EF4-FFF2-40B4-BE49-F238E27FC236}">
+                <a16:creationId xmlns:a16="http://schemas.microsoft.com/office/drawing/2014/main" id="{F71A981E-643B-4ECB-BC16-3AB4ABBC9B8A}"/>
+              </a:ext>
+            </a:extLst>
+          </p:cNvPr>
+          <p:cNvCxnSpPr>
+            <a:cxnSpLocks/>
+          </p:cNvCxnSpPr>
+          <p:nvPr/>
+        </p:nvCxnSpPr>
+        <p:spPr>
+          <a:xfrm>
+            <a:off x="6669089" y="3789891"/>
+            <a:ext cx="497417" cy="0"/>
+          </a:xfrm>
+          <a:prstGeom prst="straightConnector1">
+            <a:avLst/>
+          </a:prstGeom>
+          <a:ln>
+            <a:solidFill>
+              <a:schemeClr val="tx1"/>
+            </a:solidFill>
+            <a:tailEnd type="triangle"/>
+          </a:ln>
+        </p:spPr>
+        <p:style>
+          <a:lnRef idx="1">
+            <a:schemeClr val="accent1"/>
+          </a:lnRef>
+          <a:fillRef idx="0">
+            <a:schemeClr val="accent1"/>
+          </a:fillRef>
+          <a:effectRef idx="0">
+            <a:schemeClr val="accent1"/>
+          </a:effectRef>
+          <a:fontRef idx="minor">
+            <a:schemeClr val="tx1"/>
+          </a:fontRef>
+        </p:style>
+      </p:cxnSp>
+      <p:cxnSp>
+        <p:nvCxnSpPr>
+          <p:cNvPr id="19" name="Straight Arrow Connector 18">
+            <a:extLst>
+              <a:ext uri="{FF2B5EF4-FFF2-40B4-BE49-F238E27FC236}">
+                <a16:creationId xmlns:a16="http://schemas.microsoft.com/office/drawing/2014/main" id="{E9AF8B65-B8B6-461E-9BCE-6A092DDF9995}"/>
+              </a:ext>
+            </a:extLst>
+          </p:cNvPr>
+          <p:cNvCxnSpPr>
+            <a:cxnSpLocks/>
+          </p:cNvCxnSpPr>
+          <p:nvPr/>
+        </p:nvCxnSpPr>
+        <p:spPr>
+          <a:xfrm>
+            <a:off x="2991556" y="1594488"/>
+            <a:ext cx="0" cy="1092162"/>
+          </a:xfrm>
+          <a:prstGeom prst="straightConnector1">
+            <a:avLst/>
+          </a:prstGeom>
+          <a:ln>
+            <a:solidFill>
+              <a:schemeClr val="tx1"/>
+            </a:solidFill>
+            <a:tailEnd type="triangle"/>
+          </a:ln>
+        </p:spPr>
+        <p:style>
+          <a:lnRef idx="1">
+            <a:schemeClr val="accent1"/>
+          </a:lnRef>
+          <a:fillRef idx="0">
+            <a:schemeClr val="accent1"/>
+          </a:fillRef>
+          <a:effectRef idx="0">
+            <a:schemeClr val="accent1"/>
+          </a:effectRef>
+          <a:fontRef idx="minor">
+            <a:schemeClr val="tx1"/>
+          </a:fontRef>
+        </p:style>
+      </p:cxnSp>
+      <p:cxnSp>
+        <p:nvCxnSpPr>
+          <p:cNvPr id="27" name="Straight Arrow Connector 26">
+            <a:extLst>
+              <a:ext uri="{FF2B5EF4-FFF2-40B4-BE49-F238E27FC236}">
+                <a16:creationId xmlns:a16="http://schemas.microsoft.com/office/drawing/2014/main" id="{83280279-24CE-4DC0-8A9C-E104F7BF44A1}"/>
+              </a:ext>
+            </a:extLst>
+          </p:cNvPr>
+          <p:cNvCxnSpPr>
+            <a:cxnSpLocks/>
+          </p:cNvCxnSpPr>
+          <p:nvPr/>
+        </p:nvCxnSpPr>
+        <p:spPr>
+          <a:xfrm>
+            <a:off x="3275965" y="3911028"/>
+            <a:ext cx="598593" cy="4556"/>
+          </a:xfrm>
+          <a:prstGeom prst="straightConnector1">
+            <a:avLst/>
+          </a:prstGeom>
+          <a:ln>
+            <a:solidFill>
+              <a:schemeClr val="tx1"/>
+            </a:solidFill>
+            <a:tailEnd type="triangle"/>
+          </a:ln>
+        </p:spPr>
+        <p:style>
+          <a:lnRef idx="1">
+            <a:schemeClr val="accent1"/>
+          </a:lnRef>
+          <a:fillRef idx="0">
+            <a:schemeClr val="accent1"/>
+          </a:fillRef>
+          <a:effectRef idx="0">
+            <a:schemeClr val="accent1"/>
+          </a:effectRef>
+          <a:fontRef idx="minor">
+            <a:schemeClr val="tx1"/>
+          </a:fontRef>
+        </p:style>
+      </p:cxnSp>
     </p:spTree>
     <p:extLst>
       <p:ext uri="{BB962C8B-B14F-4D97-AF65-F5344CB8AC3E}">
-        <p14:creationId xmlns:p14="http://schemas.microsoft.com/office/powerpoint/2010/main" val="2282668257"/>
+        <p14:creationId xmlns:p14="http://schemas.microsoft.com/office/powerpoint/2010/main" val="1731781728"/>
       </p:ext>
     </p:extLst>
   </p:cSld>
@@ -8910,7 +10961,301 @@
           <a:bodyPr/>
           <a:lstStyle/>
           <a:p>
-            <a:endParaRPr lang="en-US"/>
+            <a:r>
+              <a:rPr lang="en-US" dirty="0"/>
+              <a:t>  </a:t>
+            </a:r>
+            <a:r>
+              <a:rPr lang="en-US" sz="2400" dirty="0"/>
+              <a:t>Inputs</a:t>
+            </a:r>
+          </a:p>
+        </p:txBody>
+      </p:sp>
+      <p:sp>
+        <p:nvSpPr>
+          <p:cNvPr id="3" name="TextBox 2">
+            <a:extLst>
+              <a:ext uri="{FF2B5EF4-FFF2-40B4-BE49-F238E27FC236}">
+                <a16:creationId xmlns:a16="http://schemas.microsoft.com/office/drawing/2014/main" id="{F373B78C-28E0-4391-A1F9-282724E711A6}"/>
+              </a:ext>
+            </a:extLst>
+          </p:cNvPr>
+          <p:cNvSpPr txBox="1"/>
+          <p:nvPr/>
+        </p:nvSpPr>
+        <p:spPr>
+          <a:xfrm>
+            <a:off x="457200" y="744279"/>
+            <a:ext cx="8304028" cy="4278094"/>
+          </a:xfrm>
+          <a:prstGeom prst="rect">
+            <a:avLst/>
+          </a:prstGeom>
+          <a:noFill/>
+        </p:spPr>
+        <p:txBody>
+          <a:bodyPr wrap="square" rtlCol="0">
+            <a:spAutoFit/>
+          </a:bodyPr>
+          <a:lstStyle/>
+          <a:p>
+            <a:pPr algn="l"/>
+            <a:r>
+              <a:rPr lang="en-US" sz="1600" dirty="0">
+                <a:solidFill>
+                  <a:srgbClr val="000000"/>
+                </a:solidFill>
+                <a:latin typeface="Consolas" panose="020B0609020204030204" pitchFamily="49" charset="0"/>
+              </a:rPr>
+              <a:t>Please select an option from the below</a:t>
+            </a:r>
+          </a:p>
+          <a:p>
+            <a:pPr algn="l"/>
+            <a:r>
+              <a:rPr lang="en-US" sz="1600" dirty="0">
+                <a:solidFill>
+                  <a:srgbClr val="000000"/>
+                </a:solidFill>
+                <a:latin typeface="Consolas" panose="020B0609020204030204" pitchFamily="49" charset="0"/>
+              </a:rPr>
+              <a:t>1) Existing user</a:t>
+            </a:r>
+          </a:p>
+          <a:p>
+            <a:pPr algn="l"/>
+            <a:r>
+              <a:rPr lang="en-US" sz="1600" dirty="0">
+                <a:solidFill>
+                  <a:srgbClr val="000000"/>
+                </a:solidFill>
+                <a:latin typeface="Consolas" panose="020B0609020204030204" pitchFamily="49" charset="0"/>
+              </a:rPr>
+              <a:t>2) New User</a:t>
+            </a:r>
+          </a:p>
+          <a:p>
+            <a:pPr algn="l"/>
+            <a:endParaRPr lang="en-US" sz="1600" dirty="0">
+              <a:solidFill>
+                <a:srgbClr val="000000"/>
+              </a:solidFill>
+              <a:latin typeface="Consolas" panose="020B0609020204030204" pitchFamily="49" charset="0"/>
+            </a:endParaRPr>
+          </a:p>
+          <a:p>
+            <a:pPr algn="l"/>
+            <a:r>
+              <a:rPr lang="en-US" sz="1600" dirty="0">
+                <a:solidFill>
+                  <a:srgbClr val="000000"/>
+                </a:solidFill>
+                <a:latin typeface="Consolas" panose="020B0609020204030204" pitchFamily="49" charset="0"/>
+              </a:rPr>
+              <a:t>Enter the First Name: </a:t>
+            </a:r>
+            <a:r>
+              <a:rPr lang="en-US" sz="1600" dirty="0">
+                <a:solidFill>
+                  <a:srgbClr val="00B050"/>
+                </a:solidFill>
+                <a:latin typeface="Consolas" panose="020B0609020204030204" pitchFamily="49" charset="0"/>
+              </a:rPr>
+              <a:t>Amarkant</a:t>
+            </a:r>
+          </a:p>
+          <a:p>
+            <a:pPr algn="l"/>
+            <a:r>
+              <a:rPr lang="en-US" sz="1600" dirty="0">
+                <a:solidFill>
+                  <a:srgbClr val="000000"/>
+                </a:solidFill>
+                <a:latin typeface="Consolas" panose="020B0609020204030204" pitchFamily="49" charset="0"/>
+              </a:rPr>
+              <a:t>Enter the Last Name: </a:t>
+            </a:r>
+            <a:r>
+              <a:rPr lang="en-US" sz="1600" dirty="0">
+                <a:solidFill>
+                  <a:srgbClr val="00B050"/>
+                </a:solidFill>
+                <a:latin typeface="Consolas" panose="020B0609020204030204" pitchFamily="49" charset="0"/>
+              </a:rPr>
+              <a:t>Gupta</a:t>
+            </a:r>
+          </a:p>
+          <a:p>
+            <a:pPr algn="l"/>
+            <a:r>
+              <a:rPr lang="en-US" sz="1600" dirty="0">
+                <a:solidFill>
+                  <a:srgbClr val="000000"/>
+                </a:solidFill>
+                <a:latin typeface="Consolas" panose="020B0609020204030204" pitchFamily="49" charset="0"/>
+              </a:rPr>
+              <a:t>Enter the Email ID: </a:t>
+            </a:r>
+            <a:r>
+              <a:rPr lang="en-US" sz="1600" dirty="0">
+                <a:solidFill>
+                  <a:srgbClr val="00B050"/>
+                </a:solidFill>
+                <a:latin typeface="Consolas" panose="020B0609020204030204" pitchFamily="49" charset="0"/>
+              </a:rPr>
+              <a:t>amarkanth@gmail.com</a:t>
+            </a:r>
+          </a:p>
+          <a:p>
+            <a:pPr algn="l"/>
+            <a:r>
+              <a:rPr lang="en-US" sz="1600" dirty="0">
+                <a:solidFill>
+                  <a:srgbClr val="000000"/>
+                </a:solidFill>
+                <a:latin typeface="Consolas" panose="020B0609020204030204" pitchFamily="49" charset="0"/>
+              </a:rPr>
+              <a:t>Enter the Password: </a:t>
+            </a:r>
+            <a:r>
+              <a:rPr lang="en-US" sz="1600" dirty="0">
+                <a:solidFill>
+                  <a:srgbClr val="00B050"/>
+                </a:solidFill>
+                <a:latin typeface="Consolas" panose="020B0609020204030204" pitchFamily="49" charset="0"/>
+              </a:rPr>
+              <a:t>Career@123</a:t>
+            </a:r>
+          </a:p>
+          <a:p>
+            <a:pPr algn="l"/>
+            <a:r>
+              <a:rPr lang="en-US" sz="1600" dirty="0">
+                <a:solidFill>
+                  <a:srgbClr val="000000"/>
+                </a:solidFill>
+                <a:latin typeface="Consolas" panose="020B0609020204030204" pitchFamily="49" charset="0"/>
+              </a:rPr>
+              <a:t>Enter the Mobile Number: </a:t>
+            </a:r>
+            <a:r>
+              <a:rPr lang="en-US" sz="1600" dirty="0">
+                <a:solidFill>
+                  <a:srgbClr val="00B050"/>
+                </a:solidFill>
+                <a:latin typeface="Consolas" panose="020B0609020204030204" pitchFamily="49" charset="0"/>
+              </a:rPr>
+              <a:t>9988456789</a:t>
+            </a:r>
+          </a:p>
+          <a:p>
+            <a:pPr algn="l"/>
+            <a:r>
+              <a:rPr lang="en-US" sz="1600" dirty="0">
+                <a:solidFill>
+                  <a:srgbClr val="000000"/>
+                </a:solidFill>
+                <a:latin typeface="Consolas" panose="020B0609020204030204" pitchFamily="49" charset="0"/>
+              </a:rPr>
+              <a:t>Enter the Qualification: </a:t>
+            </a:r>
+            <a:r>
+              <a:rPr lang="en-US" sz="1600" dirty="0">
+                <a:solidFill>
+                  <a:srgbClr val="00B050"/>
+                </a:solidFill>
+                <a:latin typeface="Consolas" panose="020B0609020204030204" pitchFamily="49" charset="0"/>
+              </a:rPr>
+              <a:t>10th</a:t>
+            </a:r>
+          </a:p>
+          <a:p>
+            <a:pPr algn="l"/>
+            <a:r>
+              <a:rPr lang="en-US" sz="1600" dirty="0">
+                <a:solidFill>
+                  <a:srgbClr val="000000"/>
+                </a:solidFill>
+                <a:latin typeface="Consolas" panose="020B0609020204030204" pitchFamily="49" charset="0"/>
+              </a:rPr>
+              <a:t>Enter area of interest:</a:t>
+            </a:r>
+          </a:p>
+          <a:p>
+            <a:pPr algn="l"/>
+            <a:r>
+              <a:rPr lang="en-US" sz="1600" dirty="0">
+                <a:solidFill>
+                  <a:srgbClr val="000000"/>
+                </a:solidFill>
+                <a:latin typeface="Consolas" panose="020B0609020204030204" pitchFamily="49" charset="0"/>
+              </a:rPr>
+              <a:t>1) Engineering</a:t>
+            </a:r>
+          </a:p>
+          <a:p>
+            <a:pPr algn="l"/>
+            <a:r>
+              <a:rPr lang="en-US" sz="1600" dirty="0">
+                <a:solidFill>
+                  <a:srgbClr val="000000"/>
+                </a:solidFill>
+                <a:latin typeface="Consolas" panose="020B0609020204030204" pitchFamily="49" charset="0"/>
+              </a:rPr>
+              <a:t>2) Banking Job</a:t>
+            </a:r>
+          </a:p>
+          <a:p>
+            <a:pPr algn="l"/>
+            <a:r>
+              <a:rPr lang="en-US" sz="1600" dirty="0">
+                <a:solidFill>
+                  <a:srgbClr val="000000"/>
+                </a:solidFill>
+                <a:latin typeface="Consolas" panose="020B0609020204030204" pitchFamily="49" charset="0"/>
+              </a:rPr>
+              <a:t>3) Medical</a:t>
+            </a:r>
+          </a:p>
+          <a:p>
+            <a:pPr algn="l"/>
+            <a:r>
+              <a:rPr lang="en-US" sz="1600" dirty="0">
+                <a:solidFill>
+                  <a:srgbClr val="000000"/>
+                </a:solidFill>
+                <a:latin typeface="Consolas" panose="020B0609020204030204" pitchFamily="49" charset="0"/>
+              </a:rPr>
+              <a:t>4) Railway Job</a:t>
+            </a:r>
+          </a:p>
+          <a:p>
+            <a:pPr algn="l"/>
+            <a:r>
+              <a:rPr lang="en-US" sz="1600" dirty="0">
+                <a:solidFill>
+                  <a:srgbClr val="000000"/>
+                </a:solidFill>
+                <a:latin typeface="Consolas" panose="020B0609020204030204" pitchFamily="49" charset="0"/>
+              </a:rPr>
+              <a:t>5) SSC</a:t>
+            </a:r>
+          </a:p>
+          <a:p>
+            <a:pPr algn="l"/>
+            <a:r>
+              <a:rPr lang="en-US" sz="1600" dirty="0">
+                <a:solidFill>
+                  <a:srgbClr val="000000"/>
+                </a:solidFill>
+                <a:latin typeface="Consolas" panose="020B0609020204030204" pitchFamily="49" charset="0"/>
+              </a:rPr>
+              <a:t>6) UPSC</a:t>
+            </a:r>
+            <a:endParaRPr lang="en-US" sz="1600" dirty="0">
+              <a:latin typeface="Helvetica" pitchFamily="2" charset="0"/>
+            </a:endParaRPr>
           </a:p>
         </p:txBody>
       </p:sp>
@@ -8946,10 +11291,10 @@
       </p:grpSpPr>
       <p:sp>
         <p:nvSpPr>
-          <p:cNvPr id="4" name="Title 3">
+          <p:cNvPr id="5" name="Title 4">
             <a:extLst>
               <a:ext uri="{FF2B5EF4-FFF2-40B4-BE49-F238E27FC236}">
-                <a16:creationId xmlns:a16="http://schemas.microsoft.com/office/drawing/2014/main" id="{E76E987D-3E14-4C7A-B240-B7F0E746CD61}"/>
+                <a16:creationId xmlns:a16="http://schemas.microsoft.com/office/drawing/2014/main" id="{001F5922-9DE2-491F-8D02-7CDBC6E357C7}"/>
               </a:ext>
             </a:extLst>
           </p:cNvPr>
@@ -8960,19 +11305,198 @@
             <p:ph type="title"/>
           </p:nvPr>
         </p:nvSpPr>
-        <p:spPr/>
+        <p:spPr>
+          <a:xfrm>
+            <a:off x="90428" y="62918"/>
+            <a:ext cx="7886700" cy="290849"/>
+          </a:xfrm>
+        </p:spPr>
         <p:txBody>
           <a:bodyPr/>
           <a:lstStyle/>
           <a:p>
-            <a:endParaRPr lang="en-US"/>
+            <a:r>
+              <a:rPr lang="en-US" dirty="0"/>
+              <a:t>Additional Validations</a:t>
+            </a:r>
+            <a:endParaRPr lang="en-US" sz="2400" dirty="0"/>
+          </a:p>
+        </p:txBody>
+      </p:sp>
+      <p:sp>
+        <p:nvSpPr>
+          <p:cNvPr id="2" name="TextBox 1">
+            <a:extLst>
+              <a:ext uri="{FF2B5EF4-FFF2-40B4-BE49-F238E27FC236}">
+                <a16:creationId xmlns:a16="http://schemas.microsoft.com/office/drawing/2014/main" id="{1F9EF80A-9984-462E-9FDE-5A6BF5F5C591}"/>
+              </a:ext>
+            </a:extLst>
+          </p:cNvPr>
+          <p:cNvSpPr txBox="1"/>
+          <p:nvPr/>
+        </p:nvSpPr>
+        <p:spPr>
+          <a:xfrm>
+            <a:off x="265813" y="850605"/>
+            <a:ext cx="8708065" cy="3754874"/>
+          </a:xfrm>
+          <a:prstGeom prst="rect">
+            <a:avLst/>
+          </a:prstGeom>
+          <a:noFill/>
+        </p:spPr>
+        <p:txBody>
+          <a:bodyPr wrap="square" rtlCol="0">
+            <a:spAutoFit/>
+          </a:bodyPr>
+          <a:lstStyle/>
+          <a:p>
+            <a:pPr algn="l"/>
+            <a:endParaRPr lang="en-US" dirty="0">
+              <a:latin typeface="Helvetica" pitchFamily="2" charset="0"/>
+            </a:endParaRPr>
+          </a:p>
+          <a:p>
+            <a:pPr algn="l"/>
+            <a:r>
+              <a:rPr lang="en-US" b="1" dirty="0">
+                <a:latin typeface="Helvetica" pitchFamily="2" charset="0"/>
+              </a:rPr>
+              <a:t>1. Email</a:t>
+            </a:r>
+          </a:p>
+          <a:p>
+            <a:pPr marL="285750" indent="-285750" algn="l">
+              <a:buFont typeface="Arial" panose="020B0604020202020204" pitchFamily="34" charset="0"/>
+              <a:buChar char="•"/>
+            </a:pPr>
+            <a:r>
+              <a:rPr lang="en-US" dirty="0">
+                <a:latin typeface="Helvetica" pitchFamily="2" charset="0"/>
+              </a:rPr>
+              <a:t>It should start with string [A-Za-z0-9-\]</a:t>
+            </a:r>
+          </a:p>
+          <a:p>
+            <a:pPr marL="285750" indent="-285750" algn="l">
+              <a:buFont typeface="Arial" panose="020B0604020202020204" pitchFamily="34" charset="0"/>
+              <a:buChar char="•"/>
+            </a:pPr>
+            <a:r>
+              <a:rPr lang="en-US" dirty="0">
+                <a:latin typeface="Helvetica" pitchFamily="2" charset="0"/>
+              </a:rPr>
+              <a:t>It should contain at least one lowercase letter(a-z), one uppercase letter(A-Z) and one special character( @, #, %, &amp;, !, $, etc.)</a:t>
+            </a:r>
+          </a:p>
+          <a:p>
+            <a:pPr algn="l"/>
+            <a:endParaRPr lang="en-US" dirty="0">
+              <a:latin typeface="Helvetica" pitchFamily="2" charset="0"/>
+            </a:endParaRPr>
+          </a:p>
+          <a:p>
+            <a:pPr algn="l"/>
+            <a:r>
+              <a:rPr lang="en-US" b="1" dirty="0">
+                <a:latin typeface="Helvetica" pitchFamily="2" charset="0"/>
+              </a:rPr>
+              <a:t>2. Password</a:t>
+            </a:r>
+          </a:p>
+          <a:p>
+            <a:pPr marL="285750" indent="-285750" algn="l">
+              <a:buFont typeface="Arial" panose="020B0604020202020204" pitchFamily="34" charset="0"/>
+              <a:buChar char="•"/>
+            </a:pPr>
+            <a:r>
+              <a:rPr lang="en-US" dirty="0">
+                <a:latin typeface="Helvetica" pitchFamily="2" charset="0"/>
+              </a:rPr>
+              <a:t>It should not contain any space.</a:t>
+            </a:r>
+          </a:p>
+          <a:p>
+            <a:pPr marL="285750" indent="-285750" algn="l">
+              <a:buFont typeface="Arial" panose="020B0604020202020204" pitchFamily="34" charset="0"/>
+              <a:buChar char="•"/>
+            </a:pPr>
+            <a:r>
+              <a:rPr lang="en-US" dirty="0">
+                <a:latin typeface="Helvetica" pitchFamily="2" charset="0"/>
+              </a:rPr>
+              <a:t>It should contain at least one digit(0-9), length [8 ~ 15], at least one lowercase letter(a-z) and one uppercase letter (A-Z) and special character ( @, #, %, &amp;, !, $, etc.)</a:t>
+            </a:r>
+          </a:p>
+          <a:p>
+            <a:pPr algn="l"/>
+            <a:endParaRPr lang="en-US" dirty="0">
+              <a:latin typeface="Helvetica" pitchFamily="2" charset="0"/>
+            </a:endParaRPr>
+          </a:p>
+          <a:p>
+            <a:pPr algn="l"/>
+            <a:r>
+              <a:rPr lang="en-US" b="1" dirty="0">
+                <a:latin typeface="Helvetica" pitchFamily="2" charset="0"/>
+              </a:rPr>
+              <a:t>3. Mobile Number </a:t>
+            </a:r>
+          </a:p>
+          <a:p>
+            <a:pPr marL="285750" indent="-285750" algn="l">
+              <a:buFont typeface="Arial" panose="020B0604020202020204" pitchFamily="34" charset="0"/>
+              <a:buChar char="•"/>
+            </a:pPr>
+            <a:r>
+              <a:rPr lang="en-US" dirty="0">
+                <a:latin typeface="Helvetica" pitchFamily="2" charset="0"/>
+              </a:rPr>
+              <a:t>It should start with numbers between 7 to 9</a:t>
+            </a:r>
+          </a:p>
+          <a:p>
+            <a:pPr marL="285750" indent="-285750" algn="l">
+              <a:buFont typeface="Arial" panose="020B0604020202020204" pitchFamily="34" charset="0"/>
+              <a:buChar char="•"/>
+            </a:pPr>
+            <a:r>
+              <a:rPr lang="en-US" dirty="0">
+                <a:latin typeface="Helvetica" pitchFamily="2" charset="0"/>
+              </a:rPr>
+              <a:t>It should not be more than 10 digits</a:t>
+            </a:r>
+          </a:p>
+          <a:p>
+            <a:pPr marL="285750" indent="-285750">
+              <a:buFont typeface="Arial" panose="020B0604020202020204" pitchFamily="34" charset="0"/>
+              <a:buChar char="•"/>
+            </a:pPr>
+            <a:r>
+              <a:rPr lang="en-US" dirty="0">
+                <a:latin typeface="Helvetica" pitchFamily="2" charset="0"/>
+              </a:rPr>
+              <a:t>It can start with 0 and 91</a:t>
+            </a:r>
+          </a:p>
+          <a:p>
+            <a:pPr algn="l"/>
+            <a:endParaRPr lang="en-US" dirty="0">
+              <a:latin typeface="Helvetica" pitchFamily="2" charset="0"/>
+            </a:endParaRPr>
+          </a:p>
+          <a:p>
+            <a:pPr algn="l"/>
+            <a:endParaRPr lang="en-US" dirty="0">
+              <a:latin typeface="Helvetica" pitchFamily="2" charset="0"/>
+            </a:endParaRPr>
           </a:p>
         </p:txBody>
       </p:sp>
     </p:spTree>
     <p:extLst>
       <p:ext uri="{BB962C8B-B14F-4D97-AF65-F5344CB8AC3E}">
-        <p14:creationId xmlns:p14="http://schemas.microsoft.com/office/powerpoint/2010/main" val="2612198152"/>
+        <p14:creationId xmlns:p14="http://schemas.microsoft.com/office/powerpoint/2010/main" val="727551601"/>
       </p:ext>
     </p:extLst>
   </p:cSld>
@@ -8999,10 +11523,106 @@
           <a:chExt cx="0" cy="0"/>
         </a:xfrm>
       </p:grpSpPr>
+      <p:sp>
+        <p:nvSpPr>
+          <p:cNvPr id="9" name="Title 8">
+            <a:extLst>
+              <a:ext uri="{FF2B5EF4-FFF2-40B4-BE49-F238E27FC236}">
+                <a16:creationId xmlns:a16="http://schemas.microsoft.com/office/drawing/2014/main" id="{BBA76B39-1CD8-405B-BFF6-BCA9448CEE7F}"/>
+              </a:ext>
+            </a:extLst>
+          </p:cNvPr>
+          <p:cNvSpPr>
+            <a:spLocks noGrp="1"/>
+          </p:cNvSpPr>
+          <p:nvPr>
+            <p:ph type="title"/>
+          </p:nvPr>
+        </p:nvSpPr>
+        <p:spPr/>
+        <p:txBody>
+          <a:bodyPr/>
+          <a:lstStyle/>
+          <a:p>
+            <a:r>
+              <a:rPr lang="en-US" dirty="0"/>
+              <a:t>  Output</a:t>
+            </a:r>
+          </a:p>
+        </p:txBody>
+      </p:sp>
+      <p:pic>
+        <p:nvPicPr>
+          <p:cNvPr id="6" name="Picture 5">
+            <a:extLst>
+              <a:ext uri="{FF2B5EF4-FFF2-40B4-BE49-F238E27FC236}">
+                <a16:creationId xmlns:a16="http://schemas.microsoft.com/office/drawing/2014/main" id="{1192FE42-FB64-41D5-A84A-D46238DC937D}"/>
+              </a:ext>
+            </a:extLst>
+          </p:cNvPr>
+          <p:cNvPicPr>
+            <a:picLocks noChangeAspect="1"/>
+          </p:cNvPicPr>
+          <p:nvPr/>
+        </p:nvPicPr>
+        <p:blipFill>
+          <a:blip r:embed="rId2"/>
+          <a:stretch>
+            <a:fillRect/>
+          </a:stretch>
+        </p:blipFill>
+        <p:spPr>
+          <a:xfrm>
+            <a:off x="531628" y="818707"/>
+            <a:ext cx="8059479" cy="4034280"/>
+          </a:xfrm>
+          <a:prstGeom prst="rect">
+            <a:avLst/>
+          </a:prstGeom>
+        </p:spPr>
+      </p:pic>
+      <p:sp>
+        <p:nvSpPr>
+          <p:cNvPr id="7" name="TextBox 6">
+            <a:extLst>
+              <a:ext uri="{FF2B5EF4-FFF2-40B4-BE49-F238E27FC236}">
+                <a16:creationId xmlns:a16="http://schemas.microsoft.com/office/drawing/2014/main" id="{12418B46-5B6C-4F9C-842C-88ECF3993536}"/>
+              </a:ext>
+            </a:extLst>
+          </p:cNvPr>
+          <p:cNvSpPr txBox="1"/>
+          <p:nvPr/>
+        </p:nvSpPr>
+        <p:spPr>
+          <a:xfrm>
+            <a:off x="552892" y="492557"/>
+            <a:ext cx="4635795" cy="307777"/>
+          </a:xfrm>
+          <a:prstGeom prst="rect">
+            <a:avLst/>
+          </a:prstGeom>
+          <a:noFill/>
+        </p:spPr>
+        <p:txBody>
+          <a:bodyPr wrap="square" rtlCol="0">
+            <a:spAutoFit/>
+          </a:bodyPr>
+          <a:lstStyle/>
+          <a:p>
+            <a:pPr algn="l"/>
+            <a:r>
+              <a:rPr lang="en-US" b="1" dirty="0">
+                <a:latin typeface="Helvetica" pitchFamily="2" charset="0"/>
+              </a:rPr>
+              <a:t>1. Existing User</a:t>
+            </a:r>
+          </a:p>
+        </p:txBody>
+      </p:sp>
     </p:spTree>
     <p:extLst>
       <p:ext uri="{BB962C8B-B14F-4D97-AF65-F5344CB8AC3E}">
-        <p14:creationId xmlns:p14="http://schemas.microsoft.com/office/powerpoint/2010/main" val="3552403678"/>
+        <p14:creationId xmlns:p14="http://schemas.microsoft.com/office/powerpoint/2010/main" val="257998563"/>
       </p:ext>
     </p:extLst>
   </p:cSld>
@@ -9031,10 +11651,46 @@
       </p:grpSpPr>
       <p:sp>
         <p:nvSpPr>
-          <p:cNvPr id="9" name="Title 8">
+          <p:cNvPr id="2" name="Content Placeholder 1">
             <a:extLst>
               <a:ext uri="{FF2B5EF4-FFF2-40B4-BE49-F238E27FC236}">
-                <a16:creationId xmlns:a16="http://schemas.microsoft.com/office/drawing/2014/main" id="{BBA76B39-1CD8-405B-BFF6-BCA9448CEE7F}"/>
+                <a16:creationId xmlns:a16="http://schemas.microsoft.com/office/drawing/2014/main" id="{80705B8E-24A2-4D66-96ED-D04BE29D0671}"/>
+              </a:ext>
+            </a:extLst>
+          </p:cNvPr>
+          <p:cNvSpPr>
+            <a:spLocks noGrp="1"/>
+          </p:cNvSpPr>
+          <p:nvPr>
+            <p:ph idx="1"/>
+          </p:nvPr>
+        </p:nvSpPr>
+        <p:spPr>
+          <a:xfrm>
+            <a:off x="267143" y="538493"/>
+            <a:ext cx="7886700" cy="290850"/>
+          </a:xfrm>
+        </p:spPr>
+        <p:txBody>
+          <a:bodyPr/>
+          <a:lstStyle/>
+          <a:p>
+            <a:pPr marL="0" indent="0">
+              <a:buNone/>
+            </a:pPr>
+            <a:r>
+              <a:rPr lang="en-US" b="1" dirty="0"/>
+              <a:t>2. New User</a:t>
+            </a:r>
+          </a:p>
+        </p:txBody>
+      </p:sp>
+      <p:sp>
+        <p:nvSpPr>
+          <p:cNvPr id="3" name="Title 2">
+            <a:extLst>
+              <a:ext uri="{FF2B5EF4-FFF2-40B4-BE49-F238E27FC236}">
+                <a16:creationId xmlns:a16="http://schemas.microsoft.com/office/drawing/2014/main" id="{CB694D28-D6B4-4FDC-BB2E-D8DA1909C775}"/>
               </a:ext>
             </a:extLst>
           </p:cNvPr>
@@ -9050,14 +11706,85 @@
           <a:bodyPr/>
           <a:lstStyle/>
           <a:p>
-            <a:endParaRPr lang="en-US"/>
-          </a:p>
-        </p:txBody>
-      </p:sp>
+            <a:r>
+              <a:rPr lang="en-US" dirty="0"/>
+              <a:t> Output</a:t>
+            </a:r>
+          </a:p>
+        </p:txBody>
+      </p:sp>
+      <p:sp>
+        <p:nvSpPr>
+          <p:cNvPr id="6" name="TextBox 5">
+            <a:extLst>
+              <a:ext uri="{FF2B5EF4-FFF2-40B4-BE49-F238E27FC236}">
+                <a16:creationId xmlns:a16="http://schemas.microsoft.com/office/drawing/2014/main" id="{9ACCC668-A447-4344-8294-9E5860FB21FC}"/>
+              </a:ext>
+            </a:extLst>
+          </p:cNvPr>
+          <p:cNvSpPr txBox="1"/>
+          <p:nvPr/>
+        </p:nvSpPr>
+        <p:spPr>
+          <a:xfrm>
+            <a:off x="267143" y="4559250"/>
+            <a:ext cx="3189768" cy="307777"/>
+          </a:xfrm>
+          <a:prstGeom prst="rect">
+            <a:avLst/>
+          </a:prstGeom>
+          <a:noFill/>
+        </p:spPr>
+        <p:txBody>
+          <a:bodyPr wrap="square" rtlCol="0">
+            <a:spAutoFit/>
+          </a:bodyPr>
+          <a:lstStyle/>
+          <a:p>
+            <a:pPr algn="l"/>
+            <a:r>
+              <a:rPr lang="en-US" dirty="0">
+                <a:latin typeface="Helvetica" pitchFamily="2" charset="0"/>
+              </a:rPr>
+              <a:t>Contd..</a:t>
+            </a:r>
+          </a:p>
+        </p:txBody>
+      </p:sp>
+      <p:pic>
+        <p:nvPicPr>
+          <p:cNvPr id="7" name="Picture 6">
+            <a:extLst>
+              <a:ext uri="{FF2B5EF4-FFF2-40B4-BE49-F238E27FC236}">
+                <a16:creationId xmlns:a16="http://schemas.microsoft.com/office/drawing/2014/main" id="{7BED911E-4C0C-49DC-A6FD-088C33CAA437}"/>
+              </a:ext>
+            </a:extLst>
+          </p:cNvPr>
+          <p:cNvPicPr>
+            <a:picLocks noChangeAspect="1"/>
+          </p:cNvPicPr>
+          <p:nvPr/>
+        </p:nvPicPr>
+        <p:blipFill>
+          <a:blip r:embed="rId2"/>
+          <a:stretch>
+            <a:fillRect/>
+          </a:stretch>
+        </p:blipFill>
+        <p:spPr>
+          <a:xfrm>
+            <a:off x="267143" y="994925"/>
+            <a:ext cx="8791798" cy="3438852"/>
+          </a:xfrm>
+          <a:prstGeom prst="rect">
+            <a:avLst/>
+          </a:prstGeom>
+        </p:spPr>
+      </p:pic>
     </p:spTree>
     <p:extLst>
       <p:ext uri="{BB962C8B-B14F-4D97-AF65-F5344CB8AC3E}">
-        <p14:creationId xmlns:p14="http://schemas.microsoft.com/office/powerpoint/2010/main" val="257998563"/>
+        <p14:creationId xmlns:p14="http://schemas.microsoft.com/office/powerpoint/2010/main" val="800149373"/>
       </p:ext>
     </p:extLst>
   </p:cSld>
@@ -9609,21 +12336,12 @@
 </file>
 
 <file path=customXml/item1.xml><?xml version="1.0" encoding="utf-8"?>
-<?mso-contentType ?>
-<FormTemplates xmlns="http://schemas.microsoft.com/sharepoint/v3/contenttype/forms">
-  <Display>DocumentLibraryForm</Display>
-  <Edit>DocumentLibraryForm</Edit>
-  <New>DocumentLibraryForm</New>
-</FormTemplates>
-</file>
-
-<file path=customXml/item2.xml><?xml version="1.0" encoding="utf-8"?>
 <p:properties xmlns:p="http://schemas.microsoft.com/office/2006/metadata/properties" xmlns:xsi="http://www.w3.org/2001/XMLSchema-instance" xmlns:pc="http://schemas.microsoft.com/office/infopath/2007/PartnerControls">
   <documentManagement/>
 </p:properties>
 </file>
 
-<file path=customXml/item3.xml><?xml version="1.0" encoding="utf-8"?>
+<file path=customXml/item2.xml><?xml version="1.0" encoding="utf-8"?>
 <ct:contentTypeSchema xmlns:ct="http://schemas.microsoft.com/office/2006/metadata/contentType" xmlns:ma="http://schemas.microsoft.com/office/2006/metadata/properties/metaAttributes" ct:_="" ma:_="" ma:contentTypeName="Document" ma:contentTypeID="0x0101004126529BA98A294EA1775698362745B8" ma:contentTypeVersion="0" ma:contentTypeDescription="Create a new document." ma:contentTypeScope="" ma:versionID="9d29fd1d773c6373e783b34c2a05837f">
   <xsd:schema xmlns:xsd="http://www.w3.org/2001/XMLSchema" xmlns:xs="http://www.w3.org/2001/XMLSchema" xmlns:p="http://schemas.microsoft.com/office/2006/metadata/properties" targetNamespace="http://schemas.microsoft.com/office/2006/metadata/properties" ma:root="true" ma:fieldsID="d413257cd9829394d17656a545d5fa4e">
     <xsd:element name="properties">
@@ -9737,15 +12455,16 @@
 </ct:contentTypeSchema>
 </file>
 
-<file path=customXml/itemProps1.xml><?xml version="1.0" encoding="utf-8"?>
-<ds:datastoreItem xmlns:ds="http://schemas.openxmlformats.org/officeDocument/2006/customXml" ds:itemID="{9EE07BBE-10DE-466D-AC99-F2DD17B5EB43}">
-  <ds:schemaRefs>
-    <ds:schemaRef ds:uri="http://schemas.microsoft.com/sharepoint/v3/contenttype/forms"/>
-  </ds:schemaRefs>
-</ds:datastoreItem>
+<file path=customXml/item3.xml><?xml version="1.0" encoding="utf-8"?>
+<?mso-contentType ?>
+<FormTemplates xmlns="http://schemas.microsoft.com/sharepoint/v3/contenttype/forms">
+  <Display>DocumentLibraryForm</Display>
+  <Edit>DocumentLibraryForm</Edit>
+  <New>DocumentLibraryForm</New>
+</FormTemplates>
 </file>
 
-<file path=customXml/itemProps2.xml><?xml version="1.0" encoding="utf-8"?>
+<file path=customXml/itemProps1.xml><?xml version="1.0" encoding="utf-8"?>
 <ds:datastoreItem xmlns:ds="http://schemas.openxmlformats.org/officeDocument/2006/customXml" ds:itemID="{A3E968AC-40ED-4C48-80B4-7496923D45B9}">
   <ds:schemaRefs>
     <ds:schemaRef ds:uri="09c7ef91-edcc-4453-9cf9-84d5f5d7528a"/>
@@ -9763,6 +12482,26 @@
 </ds:datastoreItem>
 </file>
 
+<file path=customXml/itemProps2.xml><?xml version="1.0" encoding="utf-8"?>
+<ds:datastoreItem xmlns:ds="http://schemas.openxmlformats.org/officeDocument/2006/customXml" ds:itemID="{A3FEDDC0-787D-41F7-88FB-728F93607D32}">
+  <ds:schemaRefs>
+    <ds:schemaRef ds:uri="http://schemas.microsoft.com/office/2006/metadata/contentType"/>
+    <ds:schemaRef ds:uri="http://schemas.microsoft.com/office/2006/metadata/properties/metaAttributes"/>
+    <ds:schemaRef ds:uri="http://www.w3.org/2001/XMLSchema"/>
+    <ds:schemaRef ds:uri="http://schemas.microsoft.com/office/2006/metadata/properties"/>
+    <ds:schemaRef ds:uri="http://schemas.openxmlformats.org/package/2006/metadata/core-properties"/>
+    <ds:schemaRef ds:uri="http://purl.org/dc/elements/1.1/"/>
+    <ds:schemaRef ds:uri="http://purl.org/dc/terms/"/>
+    <ds:schemaRef ds:uri="http://schemas.microsoft.com/internal/obd"/>
+    <ds:schemaRef ds:uri="http://schemas.microsoft.com/office/infopath/2007/PartnerControls"/>
+  </ds:schemaRefs>
+</ds:datastoreItem>
+</file>
+
 <file path=customXml/itemProps3.xml><?xml version="1.0" encoding="utf-8"?>
-<ds:datastoreItem xmlns:ds="http://schemas.openxmlformats.org/officeDocument/2006/customXml" ds:itemID="{A3FEDDC0-787D-41F7-88FB-728F93607D32}"/>
+<ds:datastoreItem xmlns:ds="http://schemas.openxmlformats.org/officeDocument/2006/customXml" ds:itemID="{9EE07BBE-10DE-466D-AC99-F2DD17B5EB43}">
+  <ds:schemaRefs>
+    <ds:schemaRef ds:uri="http://schemas.microsoft.com/sharepoint/v3/contenttype/forms"/>
+  </ds:schemaRefs>
+</ds:datastoreItem>
 </file>